--- a/Final Submission/MSc Thesis Presentation v1.pptx
+++ b/Final Submission/MSc Thesis Presentation v1.pptx
@@ -19,7 +19,7 @@
     <p:sldId id="265" r:id="rId10"/>
     <p:sldId id="263" r:id="rId11"/>
     <p:sldId id="271" r:id="rId12"/>
-    <p:sldId id="264" r:id="rId13"/>
+    <p:sldId id="272" r:id="rId13"/>
   </p:sldIdLst>
   <p:sldSz cx="12192000" cy="6858000"/>
   <p:notesSz cx="6858000" cy="9144000"/>
@@ -186,7 +186,7 @@
             </a:lvl1pPr>
           </a:lstStyle>
           <a:p>
-            <a:endParaRPr lang="en-US"/>
+            <a:endParaRPr lang="en-US" dirty="0"/>
           </a:p>
         </p:txBody>
       </p:sp>
@@ -219,9 +219,9 @@
           <a:p>
             <a:fld id="{FEC1E092-1ED1-4761-85D1-EEE54D1D70F3}" type="datetimeFigureOut">
               <a:rPr lang="en-US" smtClean="0"/>
-              <a:t>30-May-21</a:t>
+              <a:t>31-May-21</a:t>
             </a:fld>
-            <a:endParaRPr lang="en-US"/>
+            <a:endParaRPr lang="en-US" dirty="0"/>
           </a:p>
         </p:txBody>
       </p:sp>
@@ -254,7 +254,7 @@
           <a:bodyPr vert="horz" lIns="91440" tIns="45720" rIns="91440" bIns="45720" rtlCol="0" anchor="ctr"/>
           <a:lstStyle/>
           <a:p>
-            <a:endParaRPr lang="en-US"/>
+            <a:endParaRPr lang="en-US" dirty="0"/>
           </a:p>
         </p:txBody>
       </p:sp>
@@ -344,7 +344,7 @@
             </a:lvl1pPr>
           </a:lstStyle>
           <a:p>
-            <a:endParaRPr lang="en-US"/>
+            <a:endParaRPr lang="en-US" dirty="0"/>
           </a:p>
         </p:txBody>
       </p:sp>
@@ -379,7 +379,7 @@
               <a:rPr lang="en-US" smtClean="0"/>
               <a:t>‹#›</a:t>
             </a:fld>
-            <a:endParaRPr lang="en-US"/>
+            <a:endParaRPr lang="en-US" dirty="0"/>
           </a:p>
         </p:txBody>
       </p:sp>
@@ -675,7 +675,7 @@
             </a:lvl9pPr>
           </a:lstStyle>
           <a:p>
-            <a:endParaRPr lang="en-US"/>
+            <a:endParaRPr lang="en-US" dirty="0"/>
           </a:p>
         </p:txBody>
       </p:sp>
@@ -784,9 +784,9 @@
           <a:p>
             <a:fld id="{93B45646-DC20-4B9A-BA6C-96B87E2ABB20}" type="datetimeFigureOut">
               <a:rPr lang="en-US" smtClean="0"/>
-              <a:t>30-May-21</a:t>
+              <a:t>31-May-21</a:t>
             </a:fld>
-            <a:endParaRPr lang="en-US"/>
+            <a:endParaRPr lang="en-US" dirty="0"/>
           </a:p>
         </p:txBody>
       </p:sp>
@@ -819,7 +819,7 @@
           <a:bodyPr/>
           <a:lstStyle/>
           <a:p>
-            <a:endParaRPr lang="en-US"/>
+            <a:endParaRPr lang="en-US" dirty="0"/>
           </a:p>
         </p:txBody>
       </p:sp>
@@ -856,7 +856,7 @@
               <a:rPr lang="en-US" smtClean="0"/>
               <a:t>‹#›</a:t>
             </a:fld>
-            <a:endParaRPr lang="en-US"/>
+            <a:endParaRPr lang="en-US" dirty="0"/>
           </a:p>
         </p:txBody>
       </p:sp>
@@ -1022,9 +1022,9 @@
           <a:p>
             <a:fld id="{93B45646-DC20-4B9A-BA6C-96B87E2ABB20}" type="datetimeFigureOut">
               <a:rPr lang="en-US" smtClean="0"/>
-              <a:t>30-May-21</a:t>
+              <a:t>31-May-21</a:t>
             </a:fld>
-            <a:endParaRPr lang="en-US"/>
+            <a:endParaRPr lang="en-US" dirty="0"/>
           </a:p>
         </p:txBody>
       </p:sp>
@@ -1057,7 +1057,7 @@
           <a:bodyPr/>
           <a:lstStyle/>
           <a:p>
-            <a:endParaRPr lang="en-US"/>
+            <a:endParaRPr lang="en-US" dirty="0"/>
           </a:p>
         </p:txBody>
       </p:sp>
@@ -1094,7 +1094,7 @@
               <a:rPr lang="en-US" smtClean="0"/>
               <a:t>‹#›</a:t>
             </a:fld>
-            <a:endParaRPr lang="en-US"/>
+            <a:endParaRPr lang="en-US" dirty="0"/>
           </a:p>
         </p:txBody>
       </p:sp>
@@ -1260,9 +1260,9 @@
           <a:p>
             <a:fld id="{93B45646-DC20-4B9A-BA6C-96B87E2ABB20}" type="datetimeFigureOut">
               <a:rPr lang="en-US" smtClean="0"/>
-              <a:t>30-May-21</a:t>
+              <a:t>31-May-21</a:t>
             </a:fld>
-            <a:endParaRPr lang="en-US"/>
+            <a:endParaRPr lang="en-US" dirty="0"/>
           </a:p>
         </p:txBody>
       </p:sp>
@@ -1295,7 +1295,7 @@
           <a:bodyPr/>
           <a:lstStyle/>
           <a:p>
-            <a:endParaRPr lang="en-US"/>
+            <a:endParaRPr lang="en-US" dirty="0"/>
           </a:p>
         </p:txBody>
       </p:sp>
@@ -1332,7 +1332,7 @@
               <a:rPr lang="en-US" smtClean="0"/>
               <a:t>‹#›</a:t>
             </a:fld>
-            <a:endParaRPr lang="en-US"/>
+            <a:endParaRPr lang="en-US" dirty="0"/>
           </a:p>
         </p:txBody>
       </p:sp>
@@ -1510,9 +1510,9 @@
           <a:p>
             <a:fld id="{93B45646-DC20-4B9A-BA6C-96B87E2ABB20}" type="datetimeFigureOut">
               <a:rPr lang="en-US" smtClean="0"/>
-              <a:t>30-May-21</a:t>
+              <a:t>31-May-21</a:t>
             </a:fld>
-            <a:endParaRPr lang="en-US"/>
+            <a:endParaRPr lang="en-US" dirty="0"/>
           </a:p>
         </p:txBody>
       </p:sp>
@@ -1545,7 +1545,7 @@
           <a:bodyPr/>
           <a:lstStyle/>
           <a:p>
-            <a:endParaRPr lang="en-US"/>
+            <a:endParaRPr lang="en-US" dirty="0"/>
           </a:p>
         </p:txBody>
       </p:sp>
@@ -1582,7 +1582,7 @@
               <a:rPr lang="en-US" smtClean="0"/>
               <a:t>‹#›</a:t>
             </a:fld>
-            <a:endParaRPr lang="en-US"/>
+            <a:endParaRPr lang="en-US" dirty="0"/>
           </a:p>
         </p:txBody>
       </p:sp>
@@ -1748,9 +1748,9 @@
           <a:p>
             <a:fld id="{93B45646-DC20-4B9A-BA6C-96B87E2ABB20}" type="datetimeFigureOut">
               <a:rPr lang="en-US" smtClean="0"/>
-              <a:t>30-May-21</a:t>
+              <a:t>31-May-21</a:t>
             </a:fld>
-            <a:endParaRPr lang="en-US"/>
+            <a:endParaRPr lang="en-US" dirty="0"/>
           </a:p>
         </p:txBody>
       </p:sp>
@@ -1783,7 +1783,7 @@
           <a:bodyPr/>
           <a:lstStyle/>
           <a:p>
-            <a:endParaRPr lang="en-US"/>
+            <a:endParaRPr lang="en-US" dirty="0"/>
           </a:p>
         </p:txBody>
       </p:sp>
@@ -1820,7 +1820,7 @@
               <a:rPr lang="en-US" smtClean="0"/>
               <a:t>‹#›</a:t>
             </a:fld>
-            <a:endParaRPr lang="en-US"/>
+            <a:endParaRPr lang="en-US" dirty="0"/>
           </a:p>
         </p:txBody>
       </p:sp>
@@ -2053,9 +2053,9 @@
           <a:p>
             <a:fld id="{93B45646-DC20-4B9A-BA6C-96B87E2ABB20}" type="datetimeFigureOut">
               <a:rPr lang="en-US" smtClean="0"/>
-              <a:t>30-May-21</a:t>
+              <a:t>31-May-21</a:t>
             </a:fld>
-            <a:endParaRPr lang="en-US"/>
+            <a:endParaRPr lang="en-US" dirty="0"/>
           </a:p>
         </p:txBody>
       </p:sp>
@@ -2088,7 +2088,7 @@
           <a:bodyPr/>
           <a:lstStyle/>
           <a:p>
-            <a:endParaRPr lang="en-US"/>
+            <a:endParaRPr lang="en-US" dirty="0"/>
           </a:p>
         </p:txBody>
       </p:sp>
@@ -2125,7 +2125,7 @@
               <a:rPr lang="en-US" smtClean="0"/>
               <a:t>‹#›</a:t>
             </a:fld>
-            <a:endParaRPr lang="en-US"/>
+            <a:endParaRPr lang="en-US" dirty="0"/>
           </a:p>
         </p:txBody>
       </p:sp>
@@ -2356,9 +2356,9 @@
           <a:p>
             <a:fld id="{93B45646-DC20-4B9A-BA6C-96B87E2ABB20}" type="datetimeFigureOut">
               <a:rPr lang="en-US" smtClean="0"/>
-              <a:t>30-May-21</a:t>
+              <a:t>31-May-21</a:t>
             </a:fld>
-            <a:endParaRPr lang="en-US"/>
+            <a:endParaRPr lang="en-US" dirty="0"/>
           </a:p>
         </p:txBody>
       </p:sp>
@@ -2391,7 +2391,7 @@
           <a:bodyPr/>
           <a:lstStyle/>
           <a:p>
-            <a:endParaRPr lang="en-US"/>
+            <a:endParaRPr lang="en-US" dirty="0"/>
           </a:p>
         </p:txBody>
       </p:sp>
@@ -2428,7 +2428,7 @@
               <a:rPr lang="en-US" smtClean="0"/>
               <a:t>‹#›</a:t>
             </a:fld>
-            <a:endParaRPr lang="en-US"/>
+            <a:endParaRPr lang="en-US" dirty="0"/>
           </a:p>
         </p:txBody>
       </p:sp>
@@ -2807,9 +2807,9 @@
           <a:p>
             <a:fld id="{93B45646-DC20-4B9A-BA6C-96B87E2ABB20}" type="datetimeFigureOut">
               <a:rPr lang="en-US" smtClean="0"/>
-              <a:t>30-May-21</a:t>
+              <a:t>31-May-21</a:t>
             </a:fld>
-            <a:endParaRPr lang="en-US"/>
+            <a:endParaRPr lang="en-US" dirty="0"/>
           </a:p>
         </p:txBody>
       </p:sp>
@@ -2842,7 +2842,7 @@
           <a:bodyPr/>
           <a:lstStyle/>
           <a:p>
-            <a:endParaRPr lang="en-US"/>
+            <a:endParaRPr lang="en-US" dirty="0"/>
           </a:p>
         </p:txBody>
       </p:sp>
@@ -2879,7 +2879,7 @@
               <a:rPr lang="en-US" smtClean="0"/>
               <a:t>‹#›</a:t>
             </a:fld>
-            <a:endParaRPr lang="en-US"/>
+            <a:endParaRPr lang="en-US" dirty="0"/>
           </a:p>
         </p:txBody>
       </p:sp>
@@ -2980,9 +2980,9 @@
           <a:p>
             <a:fld id="{93B45646-DC20-4B9A-BA6C-96B87E2ABB20}" type="datetimeFigureOut">
               <a:rPr lang="en-US" smtClean="0"/>
-              <a:t>30-May-21</a:t>
+              <a:t>31-May-21</a:t>
             </a:fld>
-            <a:endParaRPr lang="en-US"/>
+            <a:endParaRPr lang="en-US" dirty="0"/>
           </a:p>
         </p:txBody>
       </p:sp>
@@ -3015,7 +3015,7 @@
           <a:bodyPr/>
           <a:lstStyle/>
           <a:p>
-            <a:endParaRPr lang="en-US"/>
+            <a:endParaRPr lang="en-US" dirty="0"/>
           </a:p>
         </p:txBody>
       </p:sp>
@@ -3052,7 +3052,7 @@
               <a:rPr lang="en-US" smtClean="0"/>
               <a:t>‹#›</a:t>
             </a:fld>
-            <a:endParaRPr lang="en-US"/>
+            <a:endParaRPr lang="en-US" dirty="0"/>
           </a:p>
         </p:txBody>
       </p:sp>
@@ -3117,9 +3117,9 @@
           <a:p>
             <a:fld id="{93B45646-DC20-4B9A-BA6C-96B87E2ABB20}" type="datetimeFigureOut">
               <a:rPr lang="en-US" smtClean="0"/>
-              <a:t>30-May-21</a:t>
+              <a:t>31-May-21</a:t>
             </a:fld>
-            <a:endParaRPr lang="en-US"/>
+            <a:endParaRPr lang="en-US" dirty="0"/>
           </a:p>
         </p:txBody>
       </p:sp>
@@ -3152,7 +3152,7 @@
           <a:bodyPr/>
           <a:lstStyle/>
           <a:p>
-            <a:endParaRPr lang="en-US"/>
+            <a:endParaRPr lang="en-US" dirty="0"/>
           </a:p>
         </p:txBody>
       </p:sp>
@@ -3189,7 +3189,7 @@
               <a:rPr lang="en-US" smtClean="0"/>
               <a:t>‹#›</a:t>
             </a:fld>
-            <a:endParaRPr lang="en-US"/>
+            <a:endParaRPr lang="en-US" dirty="0"/>
           </a:p>
         </p:txBody>
       </p:sp>
@@ -3461,9 +3461,9 @@
           <a:p>
             <a:fld id="{93B45646-DC20-4B9A-BA6C-96B87E2ABB20}" type="datetimeFigureOut">
               <a:rPr lang="en-US" smtClean="0"/>
-              <a:t>30-May-21</a:t>
+              <a:t>31-May-21</a:t>
             </a:fld>
-            <a:endParaRPr lang="en-US"/>
+            <a:endParaRPr lang="en-US" dirty="0"/>
           </a:p>
         </p:txBody>
       </p:sp>
@@ -3496,7 +3496,7 @@
           <a:bodyPr/>
           <a:lstStyle/>
           <a:p>
-            <a:endParaRPr lang="en-US"/>
+            <a:endParaRPr lang="en-US" dirty="0"/>
           </a:p>
         </p:txBody>
       </p:sp>
@@ -3533,7 +3533,7 @@
               <a:rPr lang="en-US" smtClean="0"/>
               <a:t>‹#›</a:t>
             </a:fld>
-            <a:endParaRPr lang="en-US"/>
+            <a:endParaRPr lang="en-US" dirty="0"/>
           </a:p>
         </p:txBody>
       </p:sp>
@@ -4042,6 +4042,36 @@
       </p:grpSpPr>
       <p:pic>
         <p:nvPicPr>
+          <p:cNvPr id="2" name="Picture 1">
+            <a:extLst>
+              <a:ext uri="{FF2B5EF4-FFF2-40B4-BE49-F238E27FC236}">
+                <a16:creationId xmlns:a16="http://schemas.microsoft.com/office/drawing/2014/main" id="{7A146ED7-7A7C-4183-B744-408085A0D311}"/>
+              </a:ext>
+            </a:extLst>
+          </p:cNvPr>
+          <p:cNvPicPr>
+            <a:picLocks noChangeAspect="1"/>
+          </p:cNvPicPr>
+          <p:nvPr/>
+        </p:nvPicPr>
+        <p:blipFill>
+          <a:blip r:embed="rId2"/>
+          <a:stretch>
+            <a:fillRect/>
+          </a:stretch>
+        </p:blipFill>
+        <p:spPr>
+          <a:xfrm>
+            <a:off x="10112188" y="573477"/>
+            <a:ext cx="1799602" cy="885949"/>
+          </a:xfrm>
+          <a:prstGeom prst="rect">
+            <a:avLst/>
+          </a:prstGeom>
+        </p:spPr>
+      </p:pic>
+      <p:pic>
+        <p:nvPicPr>
           <p:cNvPr id="1026" name="Picture 2" descr="black and brown rotary phone near gray wall">
             <a:extLst>
               <a:ext uri="{FF2B5EF4-FFF2-40B4-BE49-F238E27FC236}">
@@ -4055,7 +4085,7 @@
           <p:nvPr/>
         </p:nvPicPr>
         <p:blipFill>
-          <a:blip r:embed="rId2">
+          <a:blip r:embed="rId3">
             <a:extLst>
               <a:ext uri="{28A0092B-C50C-407E-A947-70E740481C1C}">
                 <a14:useLocalDpi xmlns:a14="http://schemas.microsoft.com/office/drawing/2010/main" val="0"/>
@@ -4694,7 +4724,7 @@
                 <a:latin typeface="Segoe UI" panose="020B0502040204020203" pitchFamily="34" charset="0"/>
                 <a:cs typeface="Segoe UI" panose="020B0502040204020203" pitchFamily="34" charset="0"/>
               </a:rPr>
-              <a:t>Topic 6 of 8</a:t>
+              <a:t>Topic 6 of 6</a:t>
             </a:r>
           </a:p>
         </p:txBody>
@@ -4714,7 +4744,7 @@
         <p:spPr>
           <a:xfrm>
             <a:off x="377826" y="1054956"/>
-            <a:ext cx="11398293" cy="3837845"/>
+            <a:ext cx="11398293" cy="3953262"/>
           </a:xfrm>
           <a:prstGeom prst="rect">
             <a:avLst/>
@@ -4745,26 +4775,40 @@
             <a:r>
               <a:rPr lang="en-US" sz="2400" b="1" dirty="0">
                 <a:solidFill>
-                  <a:schemeClr val="tx1">
-                    <a:lumMod val="85000"/>
-                    <a:lumOff val="15000"/>
-                  </a:schemeClr>
+                  <a:srgbClr val="595959"/>
                 </a:solidFill>
                 <a:latin typeface="Segoe UI" panose="020B0502040204020203" pitchFamily="34" charset="0"/>
                 <a:cs typeface="Segoe UI" panose="020B0502040204020203" pitchFamily="34" charset="0"/>
               </a:rPr>
               <a:t>Conclusions</a:t>
             </a:r>
-            <a:endParaRPr lang="en-US" sz="1400" b="1" dirty="0">
-              <a:solidFill>
-                <a:schemeClr val="tx1">
-                  <a:lumMod val="85000"/>
-                  <a:lumOff val="15000"/>
-                </a:schemeClr>
-              </a:solidFill>
-              <a:latin typeface="Segoe UI" panose="020B0502040204020203" pitchFamily="34" charset="0"/>
-              <a:cs typeface="Segoe UI" panose="020B0502040204020203" pitchFamily="34" charset="0"/>
-            </a:endParaRPr>
+          </a:p>
+          <a:p>
+            <a:pPr marR="0" lvl="0" defTabSz="914400" rtl="0" eaLnBrk="1" fontAlgn="auto" latinLnBrk="0" hangingPunct="1">
+              <a:lnSpc>
+                <a:spcPct val="150000"/>
+              </a:lnSpc>
+              <a:spcBef>
+                <a:spcPts val="0"/>
+              </a:spcBef>
+              <a:spcAft>
+                <a:spcPts val="0"/>
+              </a:spcAft>
+              <a:buClrTx/>
+              <a:buSzTx/>
+              <a:tabLst/>
+              <a:defRPr/>
+            </a:pPr>
+            <a:r>
+              <a:rPr lang="en-US" sz="500" b="1" dirty="0">
+                <a:solidFill>
+                  <a:srgbClr val="595959"/>
+                </a:solidFill>
+                <a:latin typeface="Segoe UI" panose="020B0502040204020203" pitchFamily="34" charset="0"/>
+                <a:cs typeface="Segoe UI" panose="020B0502040204020203" pitchFamily="34" charset="0"/>
+              </a:rPr>
+              <a:t> </a:t>
+            </a:r>
           </a:p>
           <a:p>
             <a:pPr marL="285750" marR="0" lvl="0" indent="-285750" defTabSz="914400" rtl="0" eaLnBrk="1" fontAlgn="auto" latinLnBrk="0" hangingPunct="1">
@@ -4785,25 +4829,29 @@
               <a:defRPr/>
             </a:pPr>
             <a:r>
-              <a:rPr lang="en-US" sz="1400" dirty="0">
+              <a:rPr lang="en-US" sz="1400" b="1" dirty="0">
                 <a:solidFill>
-                  <a:schemeClr val="tx1">
-                    <a:lumMod val="85000"/>
-                    <a:lumOff val="15000"/>
-                  </a:schemeClr>
+                  <a:srgbClr val="595959"/>
                 </a:solidFill>
                 <a:latin typeface="Segoe UI" panose="020B0502040204020203" pitchFamily="34" charset="0"/>
                 <a:cs typeface="Segoe UI" panose="020B0502040204020203" pitchFamily="34" charset="0"/>
               </a:rPr>
-              <a:t>Interpretable machine learning models such as SHAP and LIME can help the business understand the underlying mechanism of the predictions by the models</a:t>
+              <a:t>Interpretable machine learning models </a:t>
+            </a:r>
+            <a:r>
+              <a:rPr lang="en-US" sz="1400" dirty="0">
+                <a:solidFill>
+                  <a:srgbClr val="595959"/>
+                </a:solidFill>
+                <a:latin typeface="Segoe UI" panose="020B0502040204020203" pitchFamily="34" charset="0"/>
+                <a:cs typeface="Segoe UI" panose="020B0502040204020203" pitchFamily="34" charset="0"/>
+              </a:rPr>
+              <a:t>such as SHAP and LIME can help the business understand the underlying mechanism of the predictions by the models</a:t>
             </a:r>
             <a:br>
               <a:rPr lang="en-US" sz="1400" dirty="0">
                 <a:solidFill>
-                  <a:schemeClr val="tx1">
-                    <a:lumMod val="85000"/>
-                    <a:lumOff val="15000"/>
-                  </a:schemeClr>
+                  <a:srgbClr val="595959"/>
                 </a:solidFill>
                 <a:latin typeface="Segoe UI" panose="020B0502040204020203" pitchFamily="34" charset="0"/>
                 <a:cs typeface="Segoe UI" panose="020B0502040204020203" pitchFamily="34" charset="0"/>
@@ -4811,10 +4859,7 @@
             </a:br>
             <a:endParaRPr lang="en-US" sz="1400" dirty="0">
               <a:solidFill>
-                <a:schemeClr val="tx1">
-                  <a:lumMod val="85000"/>
-                  <a:lumOff val="15000"/>
-                </a:schemeClr>
+                <a:srgbClr val="595959"/>
               </a:solidFill>
               <a:latin typeface="Segoe UI" panose="020B0502040204020203" pitchFamily="34" charset="0"/>
               <a:cs typeface="Segoe UI" panose="020B0502040204020203" pitchFamily="34" charset="0"/>
@@ -4841,23 +4886,107 @@
             <a:r>
               <a:rPr lang="en-US" sz="1400" dirty="0">
                 <a:solidFill>
-                  <a:schemeClr val="tx1">
-                    <a:lumMod val="85000"/>
-                    <a:lumOff val="15000"/>
-                  </a:schemeClr>
+                  <a:srgbClr val="595959"/>
                 </a:solidFill>
                 <a:latin typeface="Segoe UI" panose="020B0502040204020203" pitchFamily="34" charset="0"/>
                 <a:cs typeface="Segoe UI" panose="020B0502040204020203" pitchFamily="34" charset="0"/>
               </a:rPr>
-              <a:t>The pipeline that gives the best result includes class balancing using SMOTE-NC, performing cross validation and hyperparameter tuning using Randomized Search CV</a:t>
+              <a:t>The pipeline that gives the best result includes </a:t>
+            </a:r>
+            <a:r>
+              <a:rPr lang="en-US" sz="1400" b="1" dirty="0">
+                <a:solidFill>
+                  <a:srgbClr val="595959"/>
+                </a:solidFill>
+                <a:latin typeface="Segoe UI" panose="020B0502040204020203" pitchFamily="34" charset="0"/>
+                <a:cs typeface="Segoe UI" panose="020B0502040204020203" pitchFamily="34" charset="0"/>
+              </a:rPr>
+              <a:t>class balancing </a:t>
+            </a:r>
+            <a:r>
+              <a:rPr lang="en-US" sz="1400" dirty="0">
+                <a:solidFill>
+                  <a:srgbClr val="595959"/>
+                </a:solidFill>
+                <a:latin typeface="Segoe UI" panose="020B0502040204020203" pitchFamily="34" charset="0"/>
+                <a:cs typeface="Segoe UI" panose="020B0502040204020203" pitchFamily="34" charset="0"/>
+              </a:rPr>
+              <a:t>using </a:t>
+            </a:r>
+            <a:r>
+              <a:rPr lang="en-US" sz="1400" i="1" dirty="0">
+                <a:solidFill>
+                  <a:srgbClr val="595959"/>
+                </a:solidFill>
+                <a:latin typeface="Segoe UI" panose="020B0502040204020203" pitchFamily="34" charset="0"/>
+                <a:cs typeface="Segoe UI" panose="020B0502040204020203" pitchFamily="34" charset="0"/>
+              </a:rPr>
+              <a:t>SMOTE-NC</a:t>
+            </a:r>
+            <a:r>
+              <a:rPr lang="en-US" sz="1400" dirty="0">
+                <a:solidFill>
+                  <a:srgbClr val="595959"/>
+                </a:solidFill>
+                <a:latin typeface="Segoe UI" panose="020B0502040204020203" pitchFamily="34" charset="0"/>
+                <a:cs typeface="Segoe UI" panose="020B0502040204020203" pitchFamily="34" charset="0"/>
+              </a:rPr>
+              <a:t>, performing </a:t>
+            </a:r>
+            <a:r>
+              <a:rPr lang="en-US" sz="1400" b="1" dirty="0">
+                <a:solidFill>
+                  <a:srgbClr val="595959"/>
+                </a:solidFill>
+                <a:latin typeface="Segoe UI" panose="020B0502040204020203" pitchFamily="34" charset="0"/>
+                <a:cs typeface="Segoe UI" panose="020B0502040204020203" pitchFamily="34" charset="0"/>
+              </a:rPr>
+              <a:t>cross validation </a:t>
+            </a:r>
+            <a:r>
+              <a:rPr lang="en-US" sz="1400" dirty="0">
+                <a:solidFill>
+                  <a:srgbClr val="595959"/>
+                </a:solidFill>
+                <a:latin typeface="Segoe UI" panose="020B0502040204020203" pitchFamily="34" charset="0"/>
+                <a:cs typeface="Segoe UI" panose="020B0502040204020203" pitchFamily="34" charset="0"/>
+              </a:rPr>
+              <a:t>and </a:t>
+            </a:r>
+            <a:r>
+              <a:rPr lang="en-US" sz="1400" b="1" dirty="0">
+                <a:solidFill>
+                  <a:srgbClr val="595959"/>
+                </a:solidFill>
+                <a:latin typeface="Segoe UI" panose="020B0502040204020203" pitchFamily="34" charset="0"/>
+                <a:cs typeface="Segoe UI" panose="020B0502040204020203" pitchFamily="34" charset="0"/>
+              </a:rPr>
+              <a:t>hyperparameter tuning </a:t>
+            </a:r>
+            <a:r>
+              <a:rPr lang="en-US" sz="1400" dirty="0">
+                <a:solidFill>
+                  <a:srgbClr val="595959"/>
+                </a:solidFill>
+                <a:latin typeface="Segoe UI" panose="020B0502040204020203" pitchFamily="34" charset="0"/>
+                <a:cs typeface="Segoe UI" panose="020B0502040204020203" pitchFamily="34" charset="0"/>
+              </a:rPr>
+              <a:t>using </a:t>
+            </a:r>
+            <a:r>
+              <a:rPr lang="en-US" sz="1400" i="1" dirty="0">
+                <a:solidFill>
+                  <a:srgbClr val="595959"/>
+                </a:solidFill>
+                <a:latin typeface="Segoe UI" panose="020B0502040204020203" pitchFamily="34" charset="0"/>
+                <a:cs typeface="Segoe UI" panose="020B0502040204020203" pitchFamily="34" charset="0"/>
+              </a:rPr>
+              <a:t>Randomized Search CV</a:t>
             </a:r>
             <a:br>
               <a:rPr lang="en-US" sz="1400" dirty="0">
                 <a:solidFill>
-                  <a:schemeClr val="tx1">
-                    <a:lumMod val="85000"/>
-                    <a:lumOff val="15000"/>
-                  </a:schemeClr>
+                  <a:srgbClr val="595959"/>
                 </a:solidFill>
                 <a:latin typeface="Segoe UI" panose="020B0502040204020203" pitchFamily="34" charset="0"/>
                 <a:cs typeface="Segoe UI" panose="020B0502040204020203" pitchFamily="34" charset="0"/>
@@ -4865,10 +4994,7 @@
             </a:br>
             <a:endParaRPr lang="en-US" sz="1400" dirty="0">
               <a:solidFill>
-                <a:schemeClr val="tx1">
-                  <a:lumMod val="85000"/>
-                  <a:lumOff val="15000"/>
-                </a:schemeClr>
+                <a:srgbClr val="595959"/>
               </a:solidFill>
               <a:latin typeface="Segoe UI" panose="020B0502040204020203" pitchFamily="34" charset="0"/>
               <a:cs typeface="Segoe UI" panose="020B0502040204020203" pitchFamily="34" charset="0"/>
@@ -4898,10 +5024,7 @@
                   <a:noFill/>
                 </a:ln>
                 <a:solidFill>
-                  <a:schemeClr val="tx1">
-                    <a:lumMod val="85000"/>
-                    <a:lumOff val="15000"/>
-                  </a:schemeClr>
+                  <a:srgbClr val="595959"/>
                 </a:solidFill>
                 <a:effectLst/>
                 <a:uLnTx/>
@@ -4909,7 +5032,103 @@
                 <a:latin typeface="Segoe UI" panose="020B0502040204020203" pitchFamily="34" charset="0"/>
                 <a:cs typeface="Segoe UI" panose="020B0502040204020203" pitchFamily="34" charset="0"/>
               </a:rPr>
-              <a:t>One of the better models obtained was CatBoost with an AUC score of 0.83 and accuracy of 76.45. </a:t>
+              <a:t>One of the better models obtained was </a:t>
+            </a:r>
+            <a:r>
+              <a:rPr kumimoji="0" lang="en-US" sz="1400" b="1" i="0" u="none" strike="noStrike" kern="1200" cap="none" spc="0" normalizeH="0" baseline="0" noProof="0" dirty="0">
+                <a:ln>
+                  <a:noFill/>
+                </a:ln>
+                <a:solidFill>
+                  <a:srgbClr val="595959"/>
+                </a:solidFill>
+                <a:effectLst/>
+                <a:uLnTx/>
+                <a:uFillTx/>
+                <a:latin typeface="Segoe UI" panose="020B0502040204020203" pitchFamily="34" charset="0"/>
+                <a:cs typeface="Segoe UI" panose="020B0502040204020203" pitchFamily="34" charset="0"/>
+              </a:rPr>
+              <a:t>CatBoost </a:t>
+            </a:r>
+            <a:r>
+              <a:rPr kumimoji="0" lang="en-US" sz="1400" i="0" u="none" strike="noStrike" kern="1200" cap="none" spc="0" normalizeH="0" baseline="0" noProof="0" dirty="0">
+                <a:ln>
+                  <a:noFill/>
+                </a:ln>
+                <a:solidFill>
+                  <a:srgbClr val="595959"/>
+                </a:solidFill>
+                <a:effectLst/>
+                <a:uLnTx/>
+                <a:uFillTx/>
+                <a:latin typeface="Segoe UI" panose="020B0502040204020203" pitchFamily="34" charset="0"/>
+                <a:cs typeface="Segoe UI" panose="020B0502040204020203" pitchFamily="34" charset="0"/>
+              </a:rPr>
+              <a:t>with an AUC score of </a:t>
+            </a:r>
+            <a:r>
+              <a:rPr kumimoji="0" lang="en-US" sz="1400" b="1" i="0" u="none" strike="noStrike" kern="1200" cap="none" spc="0" normalizeH="0" baseline="0" noProof="0" dirty="0">
+                <a:ln>
+                  <a:noFill/>
+                </a:ln>
+                <a:solidFill>
+                  <a:srgbClr val="595959"/>
+                </a:solidFill>
+                <a:effectLst/>
+                <a:uLnTx/>
+                <a:uFillTx/>
+                <a:latin typeface="Segoe UI" panose="020B0502040204020203" pitchFamily="34" charset="0"/>
+                <a:cs typeface="Segoe UI" panose="020B0502040204020203" pitchFamily="34" charset="0"/>
+              </a:rPr>
+              <a:t>0.83 </a:t>
+            </a:r>
+            <a:r>
+              <a:rPr kumimoji="0" lang="en-US" sz="1400" i="0" u="none" strike="noStrike" kern="1200" cap="none" spc="0" normalizeH="0" baseline="0" noProof="0" dirty="0">
+                <a:ln>
+                  <a:noFill/>
+                </a:ln>
+                <a:solidFill>
+                  <a:srgbClr val="595959"/>
+                </a:solidFill>
+                <a:effectLst/>
+                <a:uLnTx/>
+                <a:uFillTx/>
+                <a:latin typeface="Segoe UI" panose="020B0502040204020203" pitchFamily="34" charset="0"/>
+                <a:cs typeface="Segoe UI" panose="020B0502040204020203" pitchFamily="34" charset="0"/>
+              </a:rPr>
+              <a:t>and accuracy of </a:t>
+            </a:r>
+            <a:r>
+              <a:rPr kumimoji="0" lang="en-US" sz="1400" b="1" i="0" u="none" strike="noStrike" kern="1200" cap="none" spc="0" normalizeH="0" baseline="0" noProof="0" dirty="0">
+                <a:ln>
+                  <a:noFill/>
+                </a:ln>
+                <a:solidFill>
+                  <a:srgbClr val="595959"/>
+                </a:solidFill>
+                <a:effectLst/>
+                <a:uLnTx/>
+                <a:uFillTx/>
+                <a:latin typeface="Segoe UI" panose="020B0502040204020203" pitchFamily="34" charset="0"/>
+                <a:cs typeface="Segoe UI" panose="020B0502040204020203" pitchFamily="34" charset="0"/>
+              </a:rPr>
+              <a:t>76.45</a:t>
+            </a:r>
+            <a:r>
+              <a:rPr kumimoji="0" lang="en-US" sz="1400" i="0" u="none" strike="noStrike" kern="1200" cap="none" spc="0" normalizeH="0" baseline="0" noProof="0" dirty="0">
+                <a:ln>
+                  <a:noFill/>
+                </a:ln>
+                <a:solidFill>
+                  <a:srgbClr val="595959"/>
+                </a:solidFill>
+                <a:effectLst/>
+                <a:uLnTx/>
+                <a:uFillTx/>
+                <a:latin typeface="Segoe UI" panose="020B0502040204020203" pitchFamily="34" charset="0"/>
+                <a:cs typeface="Segoe UI" panose="020B0502040204020203" pitchFamily="34" charset="0"/>
+              </a:rPr>
+              <a:t>. </a:t>
             </a:r>
             <a:br>
               <a:rPr kumimoji="0" lang="en-US" sz="1400" i="0" u="none" strike="noStrike" kern="1200" cap="none" spc="0" normalizeH="0" baseline="0" noProof="0" dirty="0">
@@ -4917,10 +5136,7 @@
                   <a:noFill/>
                 </a:ln>
                 <a:solidFill>
-                  <a:schemeClr val="tx1">
-                    <a:lumMod val="85000"/>
-                    <a:lumOff val="15000"/>
-                  </a:schemeClr>
+                  <a:srgbClr val="595959"/>
                 </a:solidFill>
                 <a:effectLst/>
                 <a:uLnTx/>
@@ -4934,10 +5150,7 @@
                 <a:noFill/>
               </a:ln>
               <a:solidFill>
-                <a:schemeClr val="tx1">
-                  <a:lumMod val="85000"/>
-                  <a:lumOff val="15000"/>
-                </a:schemeClr>
+                <a:srgbClr val="595959"/>
               </a:solidFill>
               <a:effectLst/>
               <a:uLnTx/>
@@ -4965,25 +5178,29 @@
               <a:defRPr/>
             </a:pPr>
             <a:r>
-              <a:rPr lang="en-US" sz="1400" dirty="0">
+              <a:rPr lang="en-US" sz="1400" b="1" dirty="0">
                 <a:solidFill>
-                  <a:schemeClr val="tx1">
-                    <a:lumMod val="85000"/>
-                    <a:lumOff val="15000"/>
-                  </a:schemeClr>
+                  <a:srgbClr val="595959"/>
                 </a:solidFill>
                 <a:latin typeface="Segoe UI" panose="020B0502040204020203" pitchFamily="34" charset="0"/>
                 <a:cs typeface="Segoe UI" panose="020B0502040204020203" pitchFamily="34" charset="0"/>
               </a:rPr>
-              <a:t>Ensemble models with balanced data tend to give better results as compared to individual machine learning models</a:t>
+              <a:t>Ensemble models </a:t>
+            </a:r>
+            <a:r>
+              <a:rPr lang="en-US" sz="1400" dirty="0">
+                <a:solidFill>
+                  <a:srgbClr val="595959"/>
+                </a:solidFill>
+                <a:latin typeface="Segoe UI" panose="020B0502040204020203" pitchFamily="34" charset="0"/>
+                <a:cs typeface="Segoe UI" panose="020B0502040204020203" pitchFamily="34" charset="0"/>
+              </a:rPr>
+              <a:t>with balanced data tend to give better results as compared to individual machine learning models</a:t>
             </a:r>
             <a:br>
               <a:rPr lang="en-US" sz="1400" dirty="0">
                 <a:solidFill>
-                  <a:schemeClr val="tx1">
-                    <a:lumMod val="85000"/>
-                    <a:lumOff val="15000"/>
-                  </a:schemeClr>
+                  <a:srgbClr val="595959"/>
                 </a:solidFill>
                 <a:latin typeface="Segoe UI" panose="020B0502040204020203" pitchFamily="34" charset="0"/>
                 <a:cs typeface="Segoe UI" panose="020B0502040204020203" pitchFamily="34" charset="0"/>
@@ -4994,14 +5211,72 @@
                 <a:noFill/>
               </a:ln>
               <a:solidFill>
-                <a:schemeClr val="tx1">
-                  <a:lumMod val="85000"/>
-                  <a:lumOff val="15000"/>
-                </a:schemeClr>
+                <a:srgbClr val="595959"/>
               </a:solidFill>
               <a:effectLst/>
               <a:uLnTx/>
               <a:uFillTx/>
+              <a:latin typeface="Segoe UI" panose="020B0502040204020203" pitchFamily="34" charset="0"/>
+              <a:cs typeface="Segoe UI" panose="020B0502040204020203" pitchFamily="34" charset="0"/>
+            </a:endParaRPr>
+          </a:p>
+        </p:txBody>
+      </p:sp>
+      <p:sp>
+        <p:nvSpPr>
+          <p:cNvPr id="7" name="Rectangle 6">
+            <a:extLst>
+              <a:ext uri="{FF2B5EF4-FFF2-40B4-BE49-F238E27FC236}">
+                <a16:creationId xmlns:a16="http://schemas.microsoft.com/office/drawing/2014/main" id="{1B2FE5A2-3182-4C90-A233-E44BA0773640}"/>
+              </a:ext>
+            </a:extLst>
+          </p:cNvPr>
+          <p:cNvSpPr/>
+          <p:nvPr/>
+        </p:nvSpPr>
+        <p:spPr>
+          <a:xfrm>
+            <a:off x="109627" y="283882"/>
+            <a:ext cx="11142030" cy="707873"/>
+          </a:xfrm>
+          <a:prstGeom prst="rect">
+            <a:avLst/>
+          </a:prstGeom>
+          <a:solidFill>
+            <a:schemeClr val="bg1">
+              <a:alpha val="18000"/>
+            </a:schemeClr>
+          </a:solidFill>
+          <a:ln>
+            <a:solidFill>
+              <a:schemeClr val="bg1">
+                <a:alpha val="0"/>
+              </a:schemeClr>
+            </a:solidFill>
+          </a:ln>
+        </p:spPr>
+        <p:style>
+          <a:lnRef idx="2">
+            <a:schemeClr val="accent1">
+              <a:shade val="50000"/>
+            </a:schemeClr>
+          </a:lnRef>
+          <a:fillRef idx="1">
+            <a:schemeClr val="accent1"/>
+          </a:fillRef>
+          <a:effectRef idx="0">
+            <a:schemeClr val="accent1"/>
+          </a:effectRef>
+          <a:fontRef idx="minor">
+            <a:schemeClr val="lt1"/>
+          </a:fontRef>
+        </p:style>
+        <p:txBody>
+          <a:bodyPr rtlCol="0" anchor="ctr"/>
+          <a:lstStyle/>
+          <a:p>
+            <a:pPr algn="ctr"/>
+            <a:endParaRPr lang="en-US" dirty="0">
               <a:latin typeface="Segoe UI" panose="020B0502040204020203" pitchFamily="34" charset="0"/>
               <a:cs typeface="Segoe UI" panose="020B0502040204020203" pitchFamily="34" charset="0"/>
             </a:endParaRPr>
@@ -5294,7 +5569,7 @@
         </p:nvSpPr>
         <p:spPr>
           <a:xfrm>
-            <a:off x="377826" y="1222381"/>
+            <a:off x="377825" y="1054942"/>
             <a:ext cx="11398293" cy="2868349"/>
           </a:xfrm>
           <a:prstGeom prst="rect">
@@ -5329,10 +5604,7 @@
                   <a:noFill/>
                 </a:ln>
                 <a:solidFill>
-                  <a:schemeClr val="tx1">
-                    <a:lumMod val="85000"/>
-                    <a:lumOff val="15000"/>
-                  </a:schemeClr>
+                  <a:srgbClr val="595959"/>
                 </a:solidFill>
                 <a:effectLst/>
                 <a:uLnTx/>
@@ -5348,10 +5620,7 @@
                   <a:noFill/>
                 </a:ln>
                 <a:solidFill>
-                  <a:schemeClr val="tx1">
-                    <a:lumMod val="85000"/>
-                    <a:lumOff val="15000"/>
-                  </a:schemeClr>
+                  <a:srgbClr val="595959"/>
                 </a:solidFill>
                 <a:effectLst/>
                 <a:uLnTx/>
@@ -5362,10 +5631,7 @@
             </a:br>
             <a:endParaRPr lang="en-US" sz="1400" b="1" dirty="0">
               <a:solidFill>
-                <a:schemeClr val="tx1">
-                  <a:lumMod val="85000"/>
-                  <a:lumOff val="15000"/>
-                </a:schemeClr>
+                <a:srgbClr val="595959"/>
               </a:solidFill>
               <a:latin typeface="Segoe UI" panose="020B0502040204020203" pitchFamily="34" charset="0"/>
               <a:cs typeface="Segoe UI" panose="020B0502040204020203" pitchFamily="34" charset="0"/>
@@ -5390,15 +5656,12 @@
               <a:defRPr/>
             </a:pPr>
             <a:r>
-              <a:rPr kumimoji="0" lang="en-US" sz="1400" i="0" u="none" strike="noStrike" kern="1200" cap="none" spc="0" normalizeH="0" baseline="0" noProof="0" dirty="0">
+              <a:rPr kumimoji="0" lang="en-US" sz="1400" b="1" i="0" u="none" strike="noStrike" kern="1200" cap="none" spc="0" normalizeH="0" baseline="0" noProof="0" dirty="0">
                 <a:ln>
                   <a:noFill/>
                 </a:ln>
                 <a:solidFill>
-                  <a:schemeClr val="tx1">
-                    <a:lumMod val="85000"/>
-                    <a:lumOff val="15000"/>
-                  </a:schemeClr>
+                  <a:srgbClr val="595959"/>
                 </a:solidFill>
                 <a:effectLst/>
                 <a:uLnTx/>
@@ -5411,10 +5674,7 @@
             <a:r>
               <a:rPr lang="en-US" sz="1400" dirty="0">
                 <a:solidFill>
-                  <a:schemeClr val="tx1">
-                    <a:lumMod val="85000"/>
-                    <a:lumOff val="15000"/>
-                  </a:schemeClr>
+                  <a:srgbClr val="595959"/>
                 </a:solidFill>
                 <a:latin typeface="Segoe UI" panose="020B0502040204020203" pitchFamily="34" charset="0"/>
                 <a:cs typeface="Segoe UI" panose="020B0502040204020203" pitchFamily="34" charset="0"/>
@@ -5424,10 +5684,7 @@
             <a:br>
               <a:rPr lang="en-US" sz="1400" dirty="0">
                 <a:solidFill>
-                  <a:schemeClr val="tx1">
-                    <a:lumMod val="85000"/>
-                    <a:lumOff val="15000"/>
-                  </a:schemeClr>
+                  <a:srgbClr val="595959"/>
                 </a:solidFill>
                 <a:latin typeface="Segoe UI" panose="020B0502040204020203" pitchFamily="34" charset="0"/>
                 <a:cs typeface="Segoe UI" panose="020B0502040204020203" pitchFamily="34" charset="0"/>
@@ -5435,10 +5692,7 @@
             </a:br>
             <a:endParaRPr lang="en-US" sz="1400" dirty="0">
               <a:solidFill>
-                <a:schemeClr val="tx1">
-                  <a:lumMod val="85000"/>
-                  <a:lumOff val="15000"/>
-                </a:schemeClr>
+                <a:srgbClr val="595959"/>
               </a:solidFill>
               <a:latin typeface="Segoe UI" panose="020B0502040204020203" pitchFamily="34" charset="0"/>
               <a:cs typeface="Segoe UI" panose="020B0502040204020203" pitchFamily="34" charset="0"/>
@@ -5468,10 +5722,7 @@
                   <a:noFill/>
                 </a:ln>
                 <a:solidFill>
-                  <a:schemeClr val="tx1">
-                    <a:lumMod val="85000"/>
-                    <a:lumOff val="15000"/>
-                  </a:schemeClr>
+                  <a:srgbClr val="595959"/>
                 </a:solidFill>
                 <a:effectLst/>
                 <a:uLnTx/>
@@ -5479,7 +5730,39 @@
                 <a:latin typeface="Segoe UI" panose="020B0502040204020203" pitchFamily="34" charset="0"/>
                 <a:cs typeface="Segoe UI" panose="020B0502040204020203" pitchFamily="34" charset="0"/>
               </a:rPr>
-              <a:t>The suggested pipeline can be attempted in a real world setting to check revenue generated </a:t>
+              <a:t>The suggested pipeline can be attempted in a </a:t>
+            </a:r>
+            <a:r>
+              <a:rPr kumimoji="0" lang="en-US" sz="1400" b="1" i="0" u="none" strike="noStrike" kern="1200" cap="none" spc="0" normalizeH="0" baseline="0" noProof="0" dirty="0">
+                <a:ln>
+                  <a:noFill/>
+                </a:ln>
+                <a:solidFill>
+                  <a:srgbClr val="595959"/>
+                </a:solidFill>
+                <a:effectLst/>
+                <a:uLnTx/>
+                <a:uFillTx/>
+                <a:latin typeface="Segoe UI" panose="020B0502040204020203" pitchFamily="34" charset="0"/>
+                <a:cs typeface="Segoe UI" panose="020B0502040204020203" pitchFamily="34" charset="0"/>
+              </a:rPr>
+              <a:t>real world setting </a:t>
+            </a:r>
+            <a:r>
+              <a:rPr kumimoji="0" lang="en-US" sz="1400" i="0" u="none" strike="noStrike" kern="1200" cap="none" spc="0" normalizeH="0" baseline="0" noProof="0" dirty="0">
+                <a:ln>
+                  <a:noFill/>
+                </a:ln>
+                <a:solidFill>
+                  <a:srgbClr val="595959"/>
+                </a:solidFill>
+                <a:effectLst/>
+                <a:uLnTx/>
+                <a:uFillTx/>
+                <a:latin typeface="Segoe UI" panose="020B0502040204020203" pitchFamily="34" charset="0"/>
+                <a:cs typeface="Segoe UI" panose="020B0502040204020203" pitchFamily="34" charset="0"/>
+              </a:rPr>
+              <a:t>to check revenue generated </a:t>
             </a:r>
             <a:br>
               <a:rPr kumimoji="0" lang="en-US" sz="1400" i="0" u="none" strike="noStrike" kern="1200" cap="none" spc="0" normalizeH="0" baseline="0" noProof="0" dirty="0">
@@ -5487,10 +5770,7 @@
                   <a:noFill/>
                 </a:ln>
                 <a:solidFill>
-                  <a:schemeClr val="tx1">
-                    <a:lumMod val="85000"/>
-                    <a:lumOff val="15000"/>
-                  </a:schemeClr>
+                  <a:srgbClr val="595959"/>
                 </a:solidFill>
                 <a:effectLst/>
                 <a:uLnTx/>
@@ -5504,10 +5784,7 @@
                 <a:noFill/>
               </a:ln>
               <a:solidFill>
-                <a:schemeClr val="tx1">
-                  <a:lumMod val="85000"/>
-                  <a:lumOff val="15000"/>
-                </a:schemeClr>
+                <a:srgbClr val="595959"/>
               </a:solidFill>
               <a:effectLst/>
               <a:uLnTx/>
@@ -5535,31 +5812,106 @@
               <a:defRPr/>
             </a:pPr>
             <a:r>
-              <a:rPr lang="en-US" sz="1400" dirty="0">
+              <a:rPr lang="en-US" sz="1400" b="1" dirty="0">
                 <a:solidFill>
-                  <a:schemeClr val="tx1">
-                    <a:lumMod val="85000"/>
-                    <a:lumOff val="15000"/>
-                  </a:schemeClr>
+                  <a:srgbClr val="595959"/>
                 </a:solidFill>
                 <a:latin typeface="Segoe UI" panose="020B0502040204020203" pitchFamily="34" charset="0"/>
                 <a:cs typeface="Segoe UI" panose="020B0502040204020203" pitchFamily="34" charset="0"/>
               </a:rPr>
-              <a:t>More factors such as demographic information, streaming data and more historical records can be included in the machine learning modelling pipeline to improve performance</a:t>
-            </a:r>
-            <a:endParaRPr kumimoji="0" lang="en-US" sz="1400" i="0" u="none" strike="noStrike" kern="1200" cap="none" spc="0" normalizeH="0" baseline="0" noProof="0" dirty="0">
+              <a:t>More factors </a:t>
+            </a:r>
+            <a:r>
+              <a:rPr lang="en-US" sz="1400" dirty="0">
+                <a:solidFill>
+                  <a:srgbClr val="595959"/>
+                </a:solidFill>
+                <a:latin typeface="Segoe UI" panose="020B0502040204020203" pitchFamily="34" charset="0"/>
+                <a:cs typeface="Segoe UI" panose="020B0502040204020203" pitchFamily="34" charset="0"/>
+              </a:rPr>
+              <a:t>such as demographic information, streaming data and more historical records can be included in the machine learning modelling pipeline to </a:t>
+            </a:r>
+            <a:r>
+              <a:rPr lang="en-US" sz="1400" i="1" dirty="0">
+                <a:solidFill>
+                  <a:srgbClr val="595959"/>
+                </a:solidFill>
+                <a:latin typeface="Segoe UI" panose="020B0502040204020203" pitchFamily="34" charset="0"/>
+                <a:cs typeface="Segoe UI" panose="020B0502040204020203" pitchFamily="34" charset="0"/>
+              </a:rPr>
+              <a:t>improve performance</a:t>
+            </a:r>
+            <a:endParaRPr kumimoji="0" lang="en-US" sz="1400" i="1" u="none" strike="noStrike" kern="1200" cap="none" spc="0" normalizeH="0" baseline="0" noProof="0" dirty="0">
               <a:ln>
                 <a:noFill/>
               </a:ln>
               <a:solidFill>
-                <a:schemeClr val="tx1">
-                  <a:lumMod val="85000"/>
-                  <a:lumOff val="15000"/>
-                </a:schemeClr>
+                <a:srgbClr val="595959"/>
               </a:solidFill>
               <a:effectLst/>
               <a:uLnTx/>
               <a:uFillTx/>
+              <a:latin typeface="Segoe UI" panose="020B0502040204020203" pitchFamily="34" charset="0"/>
+              <a:cs typeface="Segoe UI" panose="020B0502040204020203" pitchFamily="34" charset="0"/>
+            </a:endParaRPr>
+          </a:p>
+        </p:txBody>
+      </p:sp>
+      <p:sp>
+        <p:nvSpPr>
+          <p:cNvPr id="7" name="Rectangle 6">
+            <a:extLst>
+              <a:ext uri="{FF2B5EF4-FFF2-40B4-BE49-F238E27FC236}">
+                <a16:creationId xmlns:a16="http://schemas.microsoft.com/office/drawing/2014/main" id="{0C864366-D1FA-4D0E-9E31-ECF2CED1C138}"/>
+              </a:ext>
+            </a:extLst>
+          </p:cNvPr>
+          <p:cNvSpPr/>
+          <p:nvPr/>
+        </p:nvSpPr>
+        <p:spPr>
+          <a:xfrm>
+            <a:off x="109627" y="283882"/>
+            <a:ext cx="11142030" cy="707873"/>
+          </a:xfrm>
+          <a:prstGeom prst="rect">
+            <a:avLst/>
+          </a:prstGeom>
+          <a:solidFill>
+            <a:schemeClr val="bg1">
+              <a:alpha val="18000"/>
+            </a:schemeClr>
+          </a:solidFill>
+          <a:ln>
+            <a:solidFill>
+              <a:schemeClr val="bg1">
+                <a:alpha val="0"/>
+              </a:schemeClr>
+            </a:solidFill>
+          </a:ln>
+        </p:spPr>
+        <p:style>
+          <a:lnRef idx="2">
+            <a:schemeClr val="accent1">
+              <a:shade val="50000"/>
+            </a:schemeClr>
+          </a:lnRef>
+          <a:fillRef idx="1">
+            <a:schemeClr val="accent1"/>
+          </a:fillRef>
+          <a:effectRef idx="0">
+            <a:schemeClr val="accent1"/>
+          </a:effectRef>
+          <a:fontRef idx="minor">
+            <a:schemeClr val="lt1"/>
+          </a:fontRef>
+        </p:style>
+        <p:txBody>
+          <a:bodyPr rtlCol="0" anchor="ctr"/>
+          <a:lstStyle/>
+          <a:p>
+            <a:pPr algn="ctr"/>
+            <a:endParaRPr lang="en-US" dirty="0">
               <a:latin typeface="Segoe UI" panose="020B0502040204020203" pitchFamily="34" charset="0"/>
               <a:cs typeface="Segoe UI" panose="020B0502040204020203" pitchFamily="34" charset="0"/>
             </a:endParaRPr>
@@ -5596,51 +5948,89 @@
           <a:chExt cx="0" cy="0"/>
         </a:xfrm>
       </p:grpSpPr>
-      <p:cxnSp>
-        <p:nvCxnSpPr>
-          <p:cNvPr id="4" name="Straight Connector 3">
-            <a:extLst>
-              <a:ext uri="{FF2B5EF4-FFF2-40B4-BE49-F238E27FC236}">
-                <a16:creationId xmlns:a16="http://schemas.microsoft.com/office/drawing/2014/main" id="{8B8DDB74-E476-46C1-B528-FA10C426B1D0}"/>
-              </a:ext>
-            </a:extLst>
-          </p:cNvPr>
-          <p:cNvCxnSpPr>
-            <a:cxnSpLocks/>
-          </p:cNvCxnSpPr>
+      <p:pic>
+        <p:nvPicPr>
+          <p:cNvPr id="2" name="Picture 1">
+            <a:extLst>
+              <a:ext uri="{FF2B5EF4-FFF2-40B4-BE49-F238E27FC236}">
+                <a16:creationId xmlns:a16="http://schemas.microsoft.com/office/drawing/2014/main" id="{7A146ED7-7A7C-4183-B744-408085A0D311}"/>
+              </a:ext>
+            </a:extLst>
+          </p:cNvPr>
+          <p:cNvPicPr>
+            <a:picLocks noChangeAspect="1"/>
+          </p:cNvPicPr>
           <p:nvPr/>
-        </p:nvCxnSpPr>
+        </p:nvPicPr>
+        <p:blipFill>
+          <a:blip r:embed="rId2"/>
+          <a:stretch>
+            <a:fillRect/>
+          </a:stretch>
+        </p:blipFill>
         <p:spPr>
-          <a:xfrm flipH="1">
-            <a:off x="396853" y="991768"/>
-            <a:ext cx="11398293" cy="0"/>
-          </a:xfrm>
-          <a:prstGeom prst="line">
+          <a:xfrm>
+            <a:off x="10112188" y="573477"/>
+            <a:ext cx="1799602" cy="885949"/>
+          </a:xfrm>
+          <a:prstGeom prst="rect">
             <a:avLst/>
           </a:prstGeom>
-          <a:ln w="28575"/>
         </p:spPr>
-        <p:style>
-          <a:lnRef idx="3">
-            <a:schemeClr val="accent3"/>
-          </a:lnRef>
-          <a:fillRef idx="0">
-            <a:schemeClr val="accent3"/>
-          </a:fillRef>
-          <a:effectRef idx="2">
-            <a:schemeClr val="accent3"/>
-          </a:effectRef>
-          <a:fontRef idx="minor">
-            <a:schemeClr val="tx1"/>
-          </a:fontRef>
-        </p:style>
-      </p:cxnSp>
+      </p:pic>
+      <p:pic>
+        <p:nvPicPr>
+          <p:cNvPr id="1026" name="Picture 2" descr="black and brown rotary phone near gray wall">
+            <a:extLst>
+              <a:ext uri="{FF2B5EF4-FFF2-40B4-BE49-F238E27FC236}">
+                <a16:creationId xmlns:a16="http://schemas.microsoft.com/office/drawing/2014/main" id="{46A4C715-2AA2-44E8-B78E-E26F2F296158}"/>
+              </a:ext>
+            </a:extLst>
+          </p:cNvPr>
+          <p:cNvPicPr>
+            <a:picLocks noChangeAspect="1" noChangeArrowheads="1"/>
+          </p:cNvPicPr>
+          <p:nvPr/>
+        </p:nvPicPr>
+        <p:blipFill>
+          <a:blip r:embed="rId3">
+            <a:extLst>
+              <a:ext uri="{28A0092B-C50C-407E-A947-70E740481C1C}">
+                <a14:useLocalDpi xmlns:a14="http://schemas.microsoft.com/office/drawing/2010/main" val="0"/>
+              </a:ext>
+            </a:extLst>
+          </a:blip>
+          <a:srcRect/>
+          <a:stretch>
+            <a:fillRect/>
+          </a:stretch>
+        </p:blipFill>
+        <p:spPr bwMode="auto">
+          <a:xfrm>
+            <a:off x="0" y="0"/>
+            <a:ext cx="10112188" cy="6857990"/>
+          </a:xfrm>
+          <a:prstGeom prst="rect">
+            <a:avLst/>
+          </a:prstGeom>
+          <a:noFill/>
+          <a:extLst>
+            <a:ext uri="{909E8E84-426E-40DD-AFC4-6F175D3DCCD1}">
+              <a14:hiddenFill xmlns:a14="http://schemas.microsoft.com/office/drawing/2010/main">
+                <a:solidFill>
+                  <a:srgbClr val="FFFFFF"/>
+                </a:solidFill>
+              </a14:hiddenFill>
+            </a:ext>
+          </a:extLst>
+        </p:spPr>
+      </p:pic>
       <p:sp>
         <p:nvSpPr>
-          <p:cNvPr id="3" name="Rectangle 2">
-            <a:extLst>
-              <a:ext uri="{FF2B5EF4-FFF2-40B4-BE49-F238E27FC236}">
-                <a16:creationId xmlns:a16="http://schemas.microsoft.com/office/drawing/2014/main" id="{9B5ECE56-625B-4B50-A895-C1A1993245A6}"/>
+          <p:cNvPr id="7" name="Rectangle 6">
+            <a:extLst>
+              <a:ext uri="{FF2B5EF4-FFF2-40B4-BE49-F238E27FC236}">
+                <a16:creationId xmlns:a16="http://schemas.microsoft.com/office/drawing/2014/main" id="{B7382D50-F04C-4762-A55A-496A48347DF6}"/>
               </a:ext>
             </a:extLst>
           </p:cNvPr>
@@ -5649,26 +6039,17 @@
         </p:nvSpPr>
         <p:spPr>
           <a:xfrm>
-            <a:off x="1" y="862"/>
-            <a:ext cx="755650" cy="219832"/>
+            <a:off x="0" y="0"/>
+            <a:ext cx="12192000" cy="6857990"/>
           </a:xfrm>
           <a:prstGeom prst="rect">
             <a:avLst/>
           </a:prstGeom>
           <a:solidFill>
-            <a:schemeClr val="accent3">
-              <a:lumMod val="75000"/>
-              <a:alpha val="16000"/>
+            <a:schemeClr val="tx1">
+              <a:alpha val="68000"/>
             </a:schemeClr>
           </a:solidFill>
-          <a:ln>
-            <a:solidFill>
-              <a:schemeClr val="accent3">
-                <a:lumMod val="75000"/>
-                <a:alpha val="10000"/>
-              </a:schemeClr>
-            </a:solidFill>
-          </a:ln>
         </p:spPr>
         <p:style>
           <a:lnRef idx="2">
@@ -5690,15 +6071,345 @@
           <a:bodyPr rtlCol="0" anchor="ctr"/>
           <a:lstStyle/>
           <a:p>
-            <a:pPr algn="ctr"/>
-            <a:endParaRPr lang="en-US" dirty="0"/>
+            <a:pPr marL="0" marR="0" lvl="0" indent="0" algn="ctr" defTabSz="914400" rtl="0" eaLnBrk="1" fontAlgn="auto" latinLnBrk="0" hangingPunct="1">
+              <a:lnSpc>
+                <a:spcPct val="100000"/>
+              </a:lnSpc>
+              <a:spcBef>
+                <a:spcPts val="0"/>
+              </a:spcBef>
+              <a:spcAft>
+                <a:spcPts val="0"/>
+              </a:spcAft>
+              <a:buClrTx/>
+              <a:buSzTx/>
+              <a:buFontTx/>
+              <a:buNone/>
+              <a:tabLst/>
+              <a:defRPr/>
+            </a:pPr>
+            <a:endParaRPr kumimoji="0" lang="en-US" sz="1800" b="0" i="0" u="none" strike="noStrike" kern="1200" cap="none" spc="0" normalizeH="0" baseline="0" noProof="0" dirty="0">
+              <a:ln>
+                <a:noFill/>
+              </a:ln>
+              <a:solidFill>
+                <a:prstClr val="white"/>
+              </a:solidFill>
+              <a:effectLst/>
+              <a:uLnTx/>
+              <a:uFillTx/>
+              <a:latin typeface="Calibri"/>
+              <a:ea typeface="+mn-ea"/>
+              <a:cs typeface="+mn-cs"/>
+            </a:endParaRPr>
+          </a:p>
+        </p:txBody>
+      </p:sp>
+      <p:sp>
+        <p:nvSpPr>
+          <p:cNvPr id="12" name="TextBox 11">
+            <a:extLst>
+              <a:ext uri="{FF2B5EF4-FFF2-40B4-BE49-F238E27FC236}">
+                <a16:creationId xmlns:a16="http://schemas.microsoft.com/office/drawing/2014/main" id="{1FF38FB6-D98F-4EDC-87DF-742731A3086C}"/>
+              </a:ext>
+            </a:extLst>
+          </p:cNvPr>
+          <p:cNvSpPr txBox="1"/>
+          <p:nvPr/>
+        </p:nvSpPr>
+        <p:spPr>
+          <a:xfrm>
+            <a:off x="173114" y="397598"/>
+            <a:ext cx="7214657" cy="954107"/>
+          </a:xfrm>
+          <a:prstGeom prst="rect">
+            <a:avLst/>
+          </a:prstGeom>
+          <a:noFill/>
+        </p:spPr>
+        <p:txBody>
+          <a:bodyPr wrap="square" rtlCol="0">
+            <a:spAutoFit/>
+          </a:bodyPr>
+          <a:lstStyle/>
+          <a:p>
+            <a:pPr marL="0" marR="0" lvl="0" indent="0" defTabSz="914400" rtl="0" eaLnBrk="1" fontAlgn="auto" latinLnBrk="0" hangingPunct="1">
+              <a:lnSpc>
+                <a:spcPct val="100000"/>
+              </a:lnSpc>
+              <a:spcBef>
+                <a:spcPts val="0"/>
+              </a:spcBef>
+              <a:spcAft>
+                <a:spcPts val="0"/>
+              </a:spcAft>
+              <a:buClrTx/>
+              <a:buSzTx/>
+              <a:buFontTx/>
+              <a:buNone/>
+              <a:tabLst/>
+              <a:defRPr/>
+            </a:pPr>
+            <a:r>
+              <a:rPr kumimoji="0" lang="en-US" sz="2800" i="0" u="none" strike="noStrike" kern="1200" cap="none" spc="0" normalizeH="0" baseline="0" noProof="0" dirty="0">
+                <a:ln>
+                  <a:noFill/>
+                </a:ln>
+                <a:solidFill>
+                  <a:prstClr val="white"/>
+                </a:solidFill>
+                <a:effectLst/>
+                <a:uLnTx/>
+                <a:uFillTx/>
+                <a:latin typeface="Segoe UI"/>
+                <a:ea typeface="+mn-ea"/>
+                <a:cs typeface="+mn-cs"/>
+              </a:rPr>
+              <a:t>Prediction of Customer Attrition in the Telecom Industry using Machine Learning</a:t>
+            </a:r>
+            <a:endParaRPr kumimoji="0" lang="en-US" sz="1600" i="0" u="none" strike="noStrike" kern="1200" cap="none" spc="0" normalizeH="0" baseline="0" noProof="0" dirty="0">
+              <a:ln>
+                <a:noFill/>
+              </a:ln>
+              <a:solidFill>
+                <a:prstClr val="white"/>
+              </a:solidFill>
+              <a:effectLst/>
+              <a:uLnTx/>
+              <a:uFillTx/>
+              <a:latin typeface="Segoe UI"/>
+              <a:ea typeface="+mn-ea"/>
+              <a:cs typeface="+mn-cs"/>
+            </a:endParaRPr>
+          </a:p>
+        </p:txBody>
+      </p:sp>
+      <p:cxnSp>
+        <p:nvCxnSpPr>
+          <p:cNvPr id="13" name="Straight Connector 12">
+            <a:extLst>
+              <a:ext uri="{FF2B5EF4-FFF2-40B4-BE49-F238E27FC236}">
+                <a16:creationId xmlns:a16="http://schemas.microsoft.com/office/drawing/2014/main" id="{719DE22A-973E-49BC-BA5E-E323C8BE7983}"/>
+              </a:ext>
+            </a:extLst>
+          </p:cNvPr>
+          <p:cNvCxnSpPr>
+            <a:cxnSpLocks/>
+          </p:cNvCxnSpPr>
+          <p:nvPr/>
+        </p:nvCxnSpPr>
+        <p:spPr>
+          <a:xfrm flipH="1">
+            <a:off x="280210" y="1459426"/>
+            <a:ext cx="7000464" cy="0"/>
+          </a:xfrm>
+          <a:prstGeom prst="line">
+            <a:avLst/>
+          </a:prstGeom>
+          <a:ln>
+            <a:solidFill>
+              <a:schemeClr val="bg1"/>
+            </a:solidFill>
+          </a:ln>
+        </p:spPr>
+        <p:style>
+          <a:lnRef idx="1">
+            <a:schemeClr val="accent1"/>
+          </a:lnRef>
+          <a:fillRef idx="0">
+            <a:schemeClr val="accent1"/>
+          </a:fillRef>
+          <a:effectRef idx="0">
+            <a:schemeClr val="accent1"/>
+          </a:effectRef>
+          <a:fontRef idx="minor">
+            <a:schemeClr val="tx1"/>
+          </a:fontRef>
+        </p:style>
+      </p:cxnSp>
+      <p:sp>
+        <p:nvSpPr>
+          <p:cNvPr id="8" name="TextBox 7">
+            <a:extLst>
+              <a:ext uri="{FF2B5EF4-FFF2-40B4-BE49-F238E27FC236}">
+                <a16:creationId xmlns:a16="http://schemas.microsoft.com/office/drawing/2014/main" id="{5297BC12-3D7A-47D0-A42D-DB005B3C4B1A}"/>
+              </a:ext>
+            </a:extLst>
+          </p:cNvPr>
+          <p:cNvSpPr txBox="1"/>
+          <p:nvPr/>
+        </p:nvSpPr>
+        <p:spPr>
+          <a:xfrm>
+            <a:off x="173114" y="1459426"/>
+            <a:ext cx="7214657" cy="369332"/>
+          </a:xfrm>
+          <a:prstGeom prst="rect">
+            <a:avLst/>
+          </a:prstGeom>
+          <a:noFill/>
+        </p:spPr>
+        <p:txBody>
+          <a:bodyPr wrap="square" rtlCol="0">
+            <a:spAutoFit/>
+          </a:bodyPr>
+          <a:lstStyle/>
+          <a:p>
+            <a:pPr marL="0" marR="0" lvl="0" indent="0" defTabSz="914400" rtl="0" eaLnBrk="1" fontAlgn="auto" latinLnBrk="0" hangingPunct="1">
+              <a:lnSpc>
+                <a:spcPct val="100000"/>
+              </a:lnSpc>
+              <a:spcBef>
+                <a:spcPts val="0"/>
+              </a:spcBef>
+              <a:spcAft>
+                <a:spcPts val="0"/>
+              </a:spcAft>
+              <a:buClrTx/>
+              <a:buSzTx/>
+              <a:buFontTx/>
+              <a:buNone/>
+              <a:tabLst/>
+              <a:defRPr/>
+            </a:pPr>
+            <a:r>
+              <a:rPr kumimoji="0" lang="en-US" u="none" strike="noStrike" kern="1200" cap="none" spc="0" normalizeH="0" baseline="0" noProof="0" dirty="0">
+                <a:ln>
+                  <a:noFill/>
+                </a:ln>
+                <a:solidFill>
+                  <a:schemeClr val="bg1">
+                    <a:lumMod val="95000"/>
+                  </a:schemeClr>
+                </a:solidFill>
+                <a:effectLst/>
+                <a:uLnTx/>
+                <a:uFillTx/>
+                <a:latin typeface="Segoe UI"/>
+                <a:ea typeface="+mn-ea"/>
+                <a:cs typeface="+mn-cs"/>
+              </a:rPr>
+              <a:t>Anish Mahapatra </a:t>
+            </a:r>
+            <a:r>
+              <a:rPr kumimoji="0" lang="en-US" u="none" strike="noStrike" kern="1200" cap="none" spc="0" normalizeH="0" baseline="0" noProof="0" dirty="0">
+                <a:ln>
+                  <a:noFill/>
+                </a:ln>
+                <a:solidFill>
+                  <a:srgbClr val="C00000"/>
+                </a:solidFill>
+                <a:effectLst/>
+                <a:uLnTx/>
+                <a:uFillTx/>
+                <a:latin typeface="Segoe UI"/>
+                <a:ea typeface="+mn-ea"/>
+                <a:cs typeface="+mn-cs"/>
+              </a:rPr>
+              <a:t>|</a:t>
+            </a:r>
+            <a:endParaRPr kumimoji="0" lang="en-US" sz="1100" u="none" strike="noStrike" kern="1200" cap="none" spc="0" normalizeH="0" baseline="0" noProof="0" dirty="0">
+              <a:ln>
+                <a:noFill/>
+              </a:ln>
+              <a:solidFill>
+                <a:schemeClr val="bg1">
+                  <a:lumMod val="65000"/>
+                </a:schemeClr>
+              </a:solidFill>
+              <a:effectLst/>
+              <a:uLnTx/>
+              <a:uFillTx/>
+              <a:latin typeface="Segoe UI"/>
+              <a:ea typeface="+mn-ea"/>
+              <a:cs typeface="+mn-cs"/>
+            </a:endParaRPr>
+          </a:p>
+        </p:txBody>
+      </p:sp>
+      <p:sp>
+        <p:nvSpPr>
+          <p:cNvPr id="9" name="TextBox 8">
+            <a:extLst>
+              <a:ext uri="{FF2B5EF4-FFF2-40B4-BE49-F238E27FC236}">
+                <a16:creationId xmlns:a16="http://schemas.microsoft.com/office/drawing/2014/main" id="{68778FF0-D8DC-4E79-A031-36756AC12555}"/>
+              </a:ext>
+            </a:extLst>
+          </p:cNvPr>
+          <p:cNvSpPr txBox="1"/>
+          <p:nvPr/>
+        </p:nvSpPr>
+        <p:spPr>
+          <a:xfrm>
+            <a:off x="66017" y="4475244"/>
+            <a:ext cx="7214657" cy="923330"/>
+          </a:xfrm>
+          <a:prstGeom prst="rect">
+            <a:avLst/>
+          </a:prstGeom>
+          <a:noFill/>
+        </p:spPr>
+        <p:txBody>
+          <a:bodyPr wrap="square" rtlCol="0">
+            <a:spAutoFit/>
+          </a:bodyPr>
+          <a:lstStyle/>
+          <a:p>
+            <a:pPr marL="0" marR="0" lvl="0" indent="0" defTabSz="914400" rtl="0" eaLnBrk="1" fontAlgn="auto" latinLnBrk="0" hangingPunct="1">
+              <a:lnSpc>
+                <a:spcPct val="100000"/>
+              </a:lnSpc>
+              <a:spcBef>
+                <a:spcPts val="0"/>
+              </a:spcBef>
+              <a:spcAft>
+                <a:spcPts val="0"/>
+              </a:spcAft>
+              <a:buClrTx/>
+              <a:buSzTx/>
+              <a:buFontTx/>
+              <a:buNone/>
+              <a:tabLst/>
+              <a:defRPr/>
+            </a:pPr>
+            <a:r>
+              <a:rPr kumimoji="0" lang="en-US" sz="5400" b="1" i="0" u="none" strike="noStrike" kern="1200" cap="none" spc="0" normalizeH="0" baseline="0" noProof="0" dirty="0">
+                <a:ln>
+                  <a:noFill/>
+                </a:ln>
+                <a:solidFill>
+                  <a:prstClr val="white"/>
+                </a:solidFill>
+                <a:effectLst/>
+                <a:uLnTx/>
+                <a:uFillTx/>
+                <a:latin typeface="Segoe UI"/>
+                <a:ea typeface="+mn-ea"/>
+                <a:cs typeface="+mn-cs"/>
+              </a:rPr>
+              <a:t>Thank you.</a:t>
+            </a:r>
+            <a:endParaRPr kumimoji="0" lang="en-US" sz="3600" b="0" i="0" u="none" strike="noStrike" kern="1200" cap="none" spc="0" normalizeH="0" baseline="0" noProof="0" dirty="0">
+              <a:ln>
+                <a:noFill/>
+              </a:ln>
+              <a:solidFill>
+                <a:prstClr val="white"/>
+              </a:solidFill>
+              <a:effectLst/>
+              <a:uLnTx/>
+              <a:uFillTx/>
+              <a:latin typeface="Segoe UI"/>
+              <a:ea typeface="+mn-ea"/>
+              <a:cs typeface="+mn-cs"/>
+            </a:endParaRPr>
           </a:p>
         </p:txBody>
       </p:sp>
     </p:spTree>
     <p:extLst>
       <p:ext uri="{BB962C8B-B14F-4D97-AF65-F5344CB8AC3E}">
-        <p14:creationId xmlns:p14="http://schemas.microsoft.com/office/powerpoint/2010/main" val="2537860587"/>
+        <p14:creationId xmlns:p14="http://schemas.microsoft.com/office/powerpoint/2010/main" val="225035246"/>
       </p:ext>
     </p:extLst>
   </p:cSld>
@@ -6446,10 +7157,7 @@
                   <a:noFill/>
                 </a:ln>
                 <a:solidFill>
-                  <a:schemeClr val="tx1">
-                    <a:lumMod val="75000"/>
-                    <a:lumOff val="25000"/>
-                  </a:schemeClr>
+                  <a:srgbClr val="595959"/>
                 </a:solidFill>
                 <a:effectLst/>
                 <a:uLnTx/>
@@ -6511,10 +7219,7 @@
                   <a:noFill/>
                 </a:ln>
                 <a:solidFill>
-                  <a:schemeClr val="tx1">
-                    <a:lumMod val="75000"/>
-                    <a:lumOff val="25000"/>
-                  </a:schemeClr>
+                  <a:srgbClr val="595959"/>
                 </a:solidFill>
                 <a:effectLst/>
                 <a:uLnTx/>
@@ -6576,10 +7281,7 @@
                   <a:noFill/>
                 </a:ln>
                 <a:solidFill>
-                  <a:schemeClr val="tx1">
-                    <a:lumMod val="75000"/>
-                    <a:lumOff val="25000"/>
-                  </a:schemeClr>
+                  <a:srgbClr val="595959"/>
                 </a:solidFill>
                 <a:effectLst/>
                 <a:uLnTx/>
@@ -6641,10 +7343,7 @@
                   <a:noFill/>
                 </a:ln>
                 <a:solidFill>
-                  <a:schemeClr val="tx1">
-                    <a:lumMod val="75000"/>
-                    <a:lumOff val="25000"/>
-                  </a:schemeClr>
+                  <a:srgbClr val="595959"/>
                 </a:solidFill>
                 <a:effectLst/>
                 <a:uLnTx/>
@@ -6706,10 +7405,7 @@
                   <a:noFill/>
                 </a:ln>
                 <a:solidFill>
-                  <a:schemeClr val="tx1">
-                    <a:lumMod val="75000"/>
-                    <a:lumOff val="25000"/>
-                  </a:schemeClr>
+                  <a:srgbClr val="595959"/>
                 </a:solidFill>
                 <a:effectLst/>
                 <a:uLnTx/>
@@ -6771,10 +7467,7 @@
                   <a:noFill/>
                 </a:ln>
                 <a:solidFill>
-                  <a:schemeClr val="tx1">
-                    <a:lumMod val="75000"/>
-                    <a:lumOff val="25000"/>
-                  </a:schemeClr>
+                  <a:srgbClr val="595959"/>
                 </a:solidFill>
                 <a:effectLst/>
                 <a:uLnTx/>
@@ -6787,6 +7480,156 @@
           </a:p>
         </p:txBody>
       </p:sp>
+      <p:sp>
+        <p:nvSpPr>
+          <p:cNvPr id="20" name="Rectangle 19">
+            <a:extLst>
+              <a:ext uri="{FF2B5EF4-FFF2-40B4-BE49-F238E27FC236}">
+                <a16:creationId xmlns:a16="http://schemas.microsoft.com/office/drawing/2014/main" id="{AAFDC28C-0691-4DBA-9716-AF4DB5EB26DD}"/>
+              </a:ext>
+            </a:extLst>
+          </p:cNvPr>
+          <p:cNvSpPr/>
+          <p:nvPr/>
+        </p:nvSpPr>
+        <p:spPr>
+          <a:xfrm>
+            <a:off x="396852" y="1200909"/>
+            <a:ext cx="660922" cy="4132493"/>
+          </a:xfrm>
+          <a:prstGeom prst="rect">
+            <a:avLst/>
+          </a:prstGeom>
+          <a:solidFill>
+            <a:schemeClr val="bg1">
+              <a:alpha val="34000"/>
+            </a:schemeClr>
+          </a:solidFill>
+          <a:ln>
+            <a:solidFill>
+              <a:schemeClr val="bg1"/>
+            </a:solidFill>
+          </a:ln>
+        </p:spPr>
+        <p:style>
+          <a:lnRef idx="2">
+            <a:schemeClr val="accent1">
+              <a:shade val="50000"/>
+            </a:schemeClr>
+          </a:lnRef>
+          <a:fillRef idx="1">
+            <a:schemeClr val="accent1"/>
+          </a:fillRef>
+          <a:effectRef idx="0">
+            <a:schemeClr val="accent1"/>
+          </a:effectRef>
+          <a:fontRef idx="minor">
+            <a:schemeClr val="lt1"/>
+          </a:fontRef>
+        </p:style>
+        <p:txBody>
+          <a:bodyPr rtlCol="0" anchor="ctr"/>
+          <a:lstStyle/>
+          <a:p>
+            <a:pPr algn="ctr"/>
+            <a:endParaRPr lang="en-US" dirty="0">
+              <a:latin typeface="Segoe UI" panose="020B0502040204020203" pitchFamily="34" charset="0"/>
+              <a:cs typeface="Segoe UI" panose="020B0502040204020203" pitchFamily="34" charset="0"/>
+            </a:endParaRPr>
+          </a:p>
+        </p:txBody>
+      </p:sp>
+      <p:sp>
+        <p:nvSpPr>
+          <p:cNvPr id="21" name="Rectangle 20">
+            <a:extLst>
+              <a:ext uri="{FF2B5EF4-FFF2-40B4-BE49-F238E27FC236}">
+                <a16:creationId xmlns:a16="http://schemas.microsoft.com/office/drawing/2014/main" id="{C72693CE-A49D-460E-9CBC-E9EDBDCA8BBC}"/>
+              </a:ext>
+            </a:extLst>
+          </p:cNvPr>
+          <p:cNvSpPr/>
+          <p:nvPr/>
+        </p:nvSpPr>
+        <p:spPr>
+          <a:xfrm>
+            <a:off x="109627" y="283882"/>
+            <a:ext cx="11142030" cy="707873"/>
+          </a:xfrm>
+          <a:prstGeom prst="rect">
+            <a:avLst/>
+          </a:prstGeom>
+          <a:solidFill>
+            <a:schemeClr val="bg1">
+              <a:alpha val="18000"/>
+            </a:schemeClr>
+          </a:solidFill>
+          <a:ln>
+            <a:solidFill>
+              <a:schemeClr val="bg1">
+                <a:alpha val="0"/>
+              </a:schemeClr>
+            </a:solidFill>
+          </a:ln>
+        </p:spPr>
+        <p:style>
+          <a:lnRef idx="2">
+            <a:schemeClr val="accent1">
+              <a:shade val="50000"/>
+            </a:schemeClr>
+          </a:lnRef>
+          <a:fillRef idx="1">
+            <a:schemeClr val="accent1"/>
+          </a:fillRef>
+          <a:effectRef idx="0">
+            <a:schemeClr val="accent1"/>
+          </a:effectRef>
+          <a:fontRef idx="minor">
+            <a:schemeClr val="lt1"/>
+          </a:fontRef>
+        </p:style>
+        <p:txBody>
+          <a:bodyPr rtlCol="0" anchor="ctr"/>
+          <a:lstStyle/>
+          <a:p>
+            <a:pPr algn="ctr"/>
+            <a:endParaRPr lang="en-US" dirty="0">
+              <a:latin typeface="Segoe UI" panose="020B0502040204020203" pitchFamily="34" charset="0"/>
+              <a:cs typeface="Segoe UI" panose="020B0502040204020203" pitchFamily="34" charset="0"/>
+            </a:endParaRPr>
+          </a:p>
+        </p:txBody>
+      </p:sp>
+      <p:pic>
+        <p:nvPicPr>
+          <p:cNvPr id="2" name="Picture 1">
+            <a:extLst>
+              <a:ext uri="{FF2B5EF4-FFF2-40B4-BE49-F238E27FC236}">
+                <a16:creationId xmlns:a16="http://schemas.microsoft.com/office/drawing/2014/main" id="{0EEC2F04-25BC-48B3-A97D-CD6D2DC759BA}"/>
+              </a:ext>
+            </a:extLst>
+          </p:cNvPr>
+          <p:cNvPicPr>
+            <a:picLocks noChangeAspect="1"/>
+          </p:cNvPicPr>
+          <p:nvPr/>
+        </p:nvPicPr>
+        <p:blipFill>
+          <a:blip r:embed="rId2"/>
+          <a:stretch>
+            <a:fillRect/>
+          </a:stretch>
+        </p:blipFill>
+        <p:spPr>
+          <a:xfrm>
+            <a:off x="1" y="-4429"/>
+            <a:ext cx="2099255" cy="351708"/>
+          </a:xfrm>
+          <a:prstGeom prst="rect">
+            <a:avLst/>
+          </a:prstGeom>
+        </p:spPr>
+      </p:pic>
     </p:spTree>
     <p:extLst>
       <p:ext uri="{BB962C8B-B14F-4D97-AF65-F5344CB8AC3E}">
@@ -8862,8 +9705,128 @@
                 <a:latin typeface="Segoe UI" panose="020B0502040204020203" pitchFamily="34" charset="0"/>
                 <a:cs typeface="Segoe UI" panose="020B0502040204020203" pitchFamily="34" charset="0"/>
               </a:rPr>
-              <a:t>Topic 1 of 8</a:t>
-            </a:r>
+              <a:t>Topic 1 of 6</a:t>
+            </a:r>
+          </a:p>
+        </p:txBody>
+      </p:sp>
+      <p:sp>
+        <p:nvSpPr>
+          <p:cNvPr id="23" name="Rectangle 22">
+            <a:extLst>
+              <a:ext uri="{FF2B5EF4-FFF2-40B4-BE49-F238E27FC236}">
+                <a16:creationId xmlns:a16="http://schemas.microsoft.com/office/drawing/2014/main" id="{65F2FA5B-3D15-41F7-A941-C04ED4B8FCCF}"/>
+              </a:ext>
+            </a:extLst>
+          </p:cNvPr>
+          <p:cNvSpPr/>
+          <p:nvPr/>
+        </p:nvSpPr>
+        <p:spPr>
+          <a:xfrm>
+            <a:off x="1032612" y="2015984"/>
+            <a:ext cx="10562487" cy="1984512"/>
+          </a:xfrm>
+          <a:prstGeom prst="rect">
+            <a:avLst/>
+          </a:prstGeom>
+          <a:solidFill>
+            <a:schemeClr val="bg1">
+              <a:alpha val="18000"/>
+            </a:schemeClr>
+          </a:solidFill>
+          <a:ln>
+            <a:solidFill>
+              <a:schemeClr val="bg1"/>
+            </a:solidFill>
+          </a:ln>
+        </p:spPr>
+        <p:style>
+          <a:lnRef idx="2">
+            <a:schemeClr val="accent1">
+              <a:shade val="50000"/>
+            </a:schemeClr>
+          </a:lnRef>
+          <a:fillRef idx="1">
+            <a:schemeClr val="accent1"/>
+          </a:fillRef>
+          <a:effectRef idx="0">
+            <a:schemeClr val="accent1"/>
+          </a:effectRef>
+          <a:fontRef idx="minor">
+            <a:schemeClr val="lt1"/>
+          </a:fontRef>
+        </p:style>
+        <p:txBody>
+          <a:bodyPr rtlCol="0" anchor="ctr"/>
+          <a:lstStyle/>
+          <a:p>
+            <a:pPr algn="ctr"/>
+            <a:endParaRPr lang="en-US" dirty="0">
+              <a:latin typeface="Segoe UI" panose="020B0502040204020203" pitchFamily="34" charset="0"/>
+              <a:cs typeface="Segoe UI" panose="020B0502040204020203" pitchFamily="34" charset="0"/>
+            </a:endParaRPr>
+          </a:p>
+        </p:txBody>
+      </p:sp>
+      <p:sp>
+        <p:nvSpPr>
+          <p:cNvPr id="25" name="Rectangle 24">
+            <a:extLst>
+              <a:ext uri="{FF2B5EF4-FFF2-40B4-BE49-F238E27FC236}">
+                <a16:creationId xmlns:a16="http://schemas.microsoft.com/office/drawing/2014/main" id="{EAA385F8-6AEB-495F-B47A-BAE60ED89387}"/>
+              </a:ext>
+            </a:extLst>
+          </p:cNvPr>
+          <p:cNvSpPr/>
+          <p:nvPr/>
+        </p:nvSpPr>
+        <p:spPr>
+          <a:xfrm>
+            <a:off x="109627" y="283882"/>
+            <a:ext cx="11142030" cy="707873"/>
+          </a:xfrm>
+          <a:prstGeom prst="rect">
+            <a:avLst/>
+          </a:prstGeom>
+          <a:solidFill>
+            <a:schemeClr val="bg1">
+              <a:alpha val="18000"/>
+            </a:schemeClr>
+          </a:solidFill>
+          <a:ln>
+            <a:solidFill>
+              <a:schemeClr val="bg1">
+                <a:alpha val="0"/>
+              </a:schemeClr>
+            </a:solidFill>
+          </a:ln>
+        </p:spPr>
+        <p:style>
+          <a:lnRef idx="2">
+            <a:schemeClr val="accent1">
+              <a:shade val="50000"/>
+            </a:schemeClr>
+          </a:lnRef>
+          <a:fillRef idx="1">
+            <a:schemeClr val="accent1"/>
+          </a:fillRef>
+          <a:effectRef idx="0">
+            <a:schemeClr val="accent1"/>
+          </a:effectRef>
+          <a:fontRef idx="minor">
+            <a:schemeClr val="lt1"/>
+          </a:fontRef>
+        </p:style>
+        <p:txBody>
+          <a:bodyPr rtlCol="0" anchor="ctr"/>
+          <a:lstStyle/>
+          <a:p>
+            <a:pPr algn="ctr"/>
+            <a:endParaRPr lang="en-US" dirty="0">
+              <a:latin typeface="Segoe UI" panose="020B0502040204020203" pitchFamily="34" charset="0"/>
+              <a:cs typeface="Segoe UI" panose="020B0502040204020203" pitchFamily="34" charset="0"/>
+            </a:endParaRPr>
           </a:p>
         </p:txBody>
       </p:sp>
@@ -10111,7 +11074,7 @@
         </p:nvSpPr>
         <p:spPr>
           <a:xfrm>
-            <a:off x="4138322" y="1771466"/>
+            <a:off x="3919381" y="1462373"/>
             <a:ext cx="3915359" cy="3915359"/>
           </a:xfrm>
           <a:prstGeom prst="ellipse">
@@ -10172,7 +11135,7 @@
         </p:nvGrpSpPr>
         <p:grpSpPr>
           <a:xfrm>
-            <a:off x="3638102" y="3166642"/>
+            <a:off x="3419161" y="2857549"/>
             <a:ext cx="1124065" cy="1125007"/>
             <a:chOff x="2779491" y="2517212"/>
             <a:chExt cx="648499" cy="649042"/>
@@ -10315,7 +11278,7 @@
         </p:nvGrpSpPr>
         <p:grpSpPr>
           <a:xfrm>
-            <a:off x="4357461" y="4780617"/>
+            <a:off x="4138520" y="4471524"/>
             <a:ext cx="1124065" cy="1125007"/>
             <a:chOff x="3287425" y="3613920"/>
             <a:chExt cx="648499" cy="649042"/>
@@ -10458,7 +11421,7 @@
         </p:nvGrpSpPr>
         <p:grpSpPr>
           <a:xfrm>
-            <a:off x="6787285" y="1757919"/>
+            <a:off x="6568344" y="1448826"/>
             <a:ext cx="1124065" cy="1125007"/>
             <a:chOff x="5249342" y="1406453"/>
             <a:chExt cx="648499" cy="649042"/>
@@ -10601,7 +11564,7 @@
         </p:nvGrpSpPr>
         <p:grpSpPr>
           <a:xfrm>
-            <a:off x="7401760" y="3166642"/>
+            <a:off x="7182819" y="2857549"/>
             <a:ext cx="1124065" cy="1125007"/>
             <a:chOff x="5716010" y="2517212"/>
             <a:chExt cx="648499" cy="649042"/>
@@ -10744,7 +11707,7 @@
         </p:nvGrpSpPr>
         <p:grpSpPr>
           <a:xfrm>
-            <a:off x="6787285" y="4780617"/>
+            <a:off x="6568344" y="4471524"/>
             <a:ext cx="1124065" cy="1125007"/>
             <a:chOff x="5244691" y="3613920"/>
             <a:chExt cx="648499" cy="649042"/>
@@ -10889,7 +11852,7 @@
         </p:nvGrpSpPr>
         <p:grpSpPr>
           <a:xfrm>
-            <a:off x="4280652" y="1773159"/>
+            <a:off x="4061711" y="1464066"/>
             <a:ext cx="1124065" cy="1125007"/>
             <a:chOff x="3287425" y="1417883"/>
             <a:chExt cx="648499" cy="649042"/>
@@ -11033,7 +11996,7 @@
         </p:nvGrpSpPr>
         <p:grpSpPr>
           <a:xfrm>
-            <a:off x="8053682" y="4908766"/>
+            <a:off x="7834741" y="4599673"/>
             <a:ext cx="4121706" cy="945765"/>
             <a:chOff x="7154104" y="3206176"/>
             <a:chExt cx="3091279" cy="709323"/>
@@ -11076,10 +12039,7 @@
               <a:r>
                 <a:rPr lang="en-US" sz="1333" dirty="0">
                   <a:solidFill>
-                    <a:schemeClr val="tx1">
-                      <a:lumMod val="65000"/>
-                      <a:lumOff val="35000"/>
-                    </a:schemeClr>
+                    <a:srgbClr val="595959"/>
                   </a:solidFill>
                   <a:latin typeface="Segoe UI" panose="020B0502040204020203" pitchFamily="34" charset="0"/>
                   <a:cs typeface="Segoe UI" panose="020B0502040204020203" pitchFamily="34" charset="0"/>
@@ -11144,7 +12104,7 @@
         </p:nvGrpSpPr>
         <p:grpSpPr>
           <a:xfrm>
-            <a:off x="488919" y="3242875"/>
+            <a:off x="269978" y="2933782"/>
             <a:ext cx="2996119" cy="740645"/>
             <a:chOff x="-267404" y="3168889"/>
             <a:chExt cx="2247089" cy="555483"/>
@@ -11187,10 +12147,7 @@
               <a:r>
                 <a:rPr lang="en-US" sz="1333" dirty="0">
                   <a:solidFill>
-                    <a:schemeClr val="tx1">
-                      <a:lumMod val="65000"/>
-                      <a:lumOff val="35000"/>
-                    </a:schemeClr>
+                    <a:srgbClr val="595959"/>
                   </a:solidFill>
                   <a:latin typeface="Segoe UI" panose="020B0502040204020203" pitchFamily="34" charset="0"/>
                   <a:cs typeface="Segoe UI" panose="020B0502040204020203" pitchFamily="34" charset="0"/>
@@ -11200,10 +12157,7 @@
               <a:br>
                 <a:rPr lang="en-US" sz="1333" dirty="0">
                   <a:solidFill>
-                    <a:schemeClr val="tx1">
-                      <a:lumMod val="65000"/>
-                      <a:lumOff val="35000"/>
-                    </a:schemeClr>
+                    <a:srgbClr val="595959"/>
                   </a:solidFill>
                   <a:latin typeface="Segoe UI" panose="020B0502040204020203" pitchFamily="34" charset="0"/>
                   <a:cs typeface="Segoe UI" panose="020B0502040204020203" pitchFamily="34" charset="0"/>
@@ -11212,10 +12166,7 @@
               <a:r>
                 <a:rPr lang="en-US" sz="1333" dirty="0">
                   <a:solidFill>
-                    <a:schemeClr val="tx1">
-                      <a:lumMod val="65000"/>
-                      <a:lumOff val="35000"/>
-                    </a:schemeClr>
+                    <a:srgbClr val="595959"/>
                   </a:solidFill>
                   <a:latin typeface="Segoe UI" panose="020B0502040204020203" pitchFamily="34" charset="0"/>
                   <a:cs typeface="Segoe UI" panose="020B0502040204020203" pitchFamily="34" charset="0"/>
@@ -11281,7 +12232,7 @@
         </p:nvGrpSpPr>
         <p:grpSpPr>
           <a:xfrm>
-            <a:off x="8053681" y="1675933"/>
+            <a:off x="7834740" y="1366840"/>
             <a:ext cx="3034927" cy="945765"/>
             <a:chOff x="7174424" y="1352592"/>
             <a:chExt cx="2276195" cy="709323"/>
@@ -11324,23 +12275,17 @@
               <a:r>
                 <a:rPr lang="en-US" sz="1333" dirty="0">
                   <a:solidFill>
-                    <a:schemeClr val="tx1">
-                      <a:lumMod val="65000"/>
-                      <a:lumOff val="35000"/>
-                    </a:schemeClr>
+                    <a:srgbClr val="595959"/>
                   </a:solidFill>
                   <a:latin typeface="Segoe UI" panose="020B0502040204020203" pitchFamily="34" charset="0"/>
                   <a:cs typeface="Segoe UI" panose="020B0502040204020203" pitchFamily="34" charset="0"/>
                 </a:rPr>
-                <a:t>Single machine learning models, meta-heuristic models, hybrid models, </a:t>
+                <a:t>Single machine learning models, </a:t>
               </a:r>
               <a:br>
                 <a:rPr lang="en-US" sz="1333" dirty="0">
                   <a:solidFill>
-                    <a:schemeClr val="tx1">
-                      <a:lumMod val="65000"/>
-                      <a:lumOff val="35000"/>
-                    </a:schemeClr>
+                    <a:srgbClr val="595959"/>
                   </a:solidFill>
                   <a:latin typeface="Segoe UI" panose="020B0502040204020203" pitchFamily="34" charset="0"/>
                   <a:cs typeface="Segoe UI" panose="020B0502040204020203" pitchFamily="34" charset="0"/>
@@ -11349,10 +12294,26 @@
               <a:r>
                 <a:rPr lang="en-US" sz="1333" dirty="0">
                   <a:solidFill>
-                    <a:schemeClr val="tx1">
-                      <a:lumMod val="65000"/>
-                      <a:lumOff val="35000"/>
-                    </a:schemeClr>
+                    <a:srgbClr val="595959"/>
+                  </a:solidFill>
+                  <a:latin typeface="Segoe UI" panose="020B0502040204020203" pitchFamily="34" charset="0"/>
+                  <a:cs typeface="Segoe UI" panose="020B0502040204020203" pitchFamily="34" charset="0"/>
+                </a:rPr>
+                <a:t>meta-heuristic models, hybrid models, </a:t>
+              </a:r>
+              <a:br>
+                <a:rPr lang="en-US" sz="1333" dirty="0">
+                  <a:solidFill>
+                    <a:srgbClr val="595959"/>
+                  </a:solidFill>
+                  <a:latin typeface="Segoe UI" panose="020B0502040204020203" pitchFamily="34" charset="0"/>
+                  <a:cs typeface="Segoe UI" panose="020B0502040204020203" pitchFamily="34" charset="0"/>
+                </a:rPr>
+              </a:br>
+              <a:r>
+                <a:rPr lang="en-US" sz="1333" dirty="0">
+                  <a:solidFill>
+                    <a:srgbClr val="595959"/>
                   </a:solidFill>
                   <a:latin typeface="Segoe UI" panose="020B0502040204020203" pitchFamily="34" charset="0"/>
                   <a:cs typeface="Segoe UI" panose="020B0502040204020203" pitchFamily="34" charset="0"/>
@@ -11417,7 +12378,7 @@
         </p:nvGrpSpPr>
         <p:grpSpPr>
           <a:xfrm>
-            <a:off x="1113745" y="1675934"/>
+            <a:off x="894804" y="1366841"/>
             <a:ext cx="3034929" cy="740645"/>
             <a:chOff x="-296510" y="1363501"/>
             <a:chExt cx="2276197" cy="555483"/>
@@ -11460,10 +12421,7 @@
               <a:r>
                 <a:rPr lang="en-US" sz="1333" dirty="0">
                   <a:solidFill>
-                    <a:schemeClr val="tx1">
-                      <a:lumMod val="50000"/>
-                      <a:lumOff val="50000"/>
-                    </a:schemeClr>
+                    <a:srgbClr val="595959"/>
                   </a:solidFill>
                   <a:latin typeface="Segoe UI" panose="020B0502040204020203" pitchFamily="34" charset="0"/>
                   <a:cs typeface="Segoe UI" panose="020B0502040204020203" pitchFamily="34" charset="0"/>
@@ -11473,10 +12431,7 @@
               <a:br>
                 <a:rPr lang="en-US" sz="1333" dirty="0">
                   <a:solidFill>
-                    <a:schemeClr val="tx1">
-                      <a:lumMod val="50000"/>
-                      <a:lumOff val="50000"/>
-                    </a:schemeClr>
+                    <a:srgbClr val="595959"/>
                   </a:solidFill>
                   <a:latin typeface="Segoe UI" panose="020B0502040204020203" pitchFamily="34" charset="0"/>
                   <a:cs typeface="Segoe UI" panose="020B0502040204020203" pitchFamily="34" charset="0"/>
@@ -11485,26 +12440,13 @@
               <a:r>
                 <a:rPr lang="en-US" sz="1333" dirty="0">
                   <a:solidFill>
-                    <a:schemeClr val="tx1">
-                      <a:lumMod val="50000"/>
-                      <a:lumOff val="50000"/>
-                    </a:schemeClr>
+                    <a:srgbClr val="595959"/>
                   </a:solidFill>
                   <a:latin typeface="Segoe UI" panose="020B0502040204020203" pitchFamily="34" charset="0"/>
                   <a:cs typeface="Segoe UI" panose="020B0502040204020203" pitchFamily="34" charset="0"/>
                 </a:rPr>
                 <a:t>bivariate analysis, </a:t>
               </a:r>
-              <a:endParaRPr lang="en-US" sz="1333" dirty="0">
-                <a:solidFill>
-                  <a:schemeClr val="tx1">
-                    <a:lumMod val="65000"/>
-                    <a:lumOff val="35000"/>
-                  </a:schemeClr>
-                </a:solidFill>
-                <a:latin typeface="Segoe UI" panose="020B0502040204020203" pitchFamily="34" charset="0"/>
-                <a:cs typeface="Segoe UI" panose="020B0502040204020203" pitchFamily="34" charset="0"/>
-              </a:endParaRPr>
             </a:p>
           </p:txBody>
         </p:sp>
@@ -11564,8 +12506,8 @@
         </p:nvGrpSpPr>
         <p:grpSpPr>
           <a:xfrm>
-            <a:off x="1113745" y="4908764"/>
-            <a:ext cx="3034929" cy="945765"/>
+            <a:off x="755650" y="4599671"/>
+            <a:ext cx="3174083" cy="945765"/>
             <a:chOff x="-296510" y="1363501"/>
             <a:chExt cx="2276197" cy="709323"/>
           </a:xfrm>
@@ -11607,26 +12549,32 @@
               <a:r>
                 <a:rPr lang="en-US" sz="1333" dirty="0">
                   <a:solidFill>
-                    <a:schemeClr val="tx1">
-                      <a:lumMod val="50000"/>
-                      <a:lumOff val="50000"/>
-                    </a:schemeClr>
+                    <a:srgbClr val="595959"/>
                   </a:solidFill>
                   <a:latin typeface="Segoe UI" panose="020B0502040204020203" pitchFamily="34" charset="0"/>
                   <a:cs typeface="Segoe UI" panose="020B0502040204020203" pitchFamily="34" charset="0"/>
                 </a:rPr>
-                <a:t>Box Cox Transformation, Class Balancing, Handling Categorical variables, Standardization, Normalization</a:t>
+                <a:t>Box Cox Transformation, Class Balancing, Handling Categorical variables, </a:t>
               </a:r>
-              <a:endParaRPr lang="en-US" sz="1333" dirty="0">
-                <a:solidFill>
-                  <a:schemeClr val="tx1">
-                    <a:lumMod val="65000"/>
-                    <a:lumOff val="35000"/>
-                  </a:schemeClr>
-                </a:solidFill>
-                <a:latin typeface="Segoe UI" panose="020B0502040204020203" pitchFamily="34" charset="0"/>
-                <a:cs typeface="Segoe UI" panose="020B0502040204020203" pitchFamily="34" charset="0"/>
-              </a:endParaRPr>
+              <a:br>
+                <a:rPr lang="en-US" sz="1333" dirty="0">
+                  <a:solidFill>
+                    <a:srgbClr val="595959"/>
+                  </a:solidFill>
+                  <a:latin typeface="Segoe UI" panose="020B0502040204020203" pitchFamily="34" charset="0"/>
+                  <a:cs typeface="Segoe UI" panose="020B0502040204020203" pitchFamily="34" charset="0"/>
+                </a:rPr>
+              </a:br>
+              <a:r>
+                <a:rPr lang="en-US" sz="1333" dirty="0">
+                  <a:solidFill>
+                    <a:srgbClr val="595959"/>
+                  </a:solidFill>
+                  <a:latin typeface="Segoe UI" panose="020B0502040204020203" pitchFamily="34" charset="0"/>
+                  <a:cs typeface="Segoe UI" panose="020B0502040204020203" pitchFamily="34" charset="0"/>
+                </a:rPr>
+                <a:t>Standardization, Normalization</a:t>
+              </a:r>
             </a:p>
           </p:txBody>
         </p:sp>
@@ -11686,7 +12634,7 @@
         </p:nvGrpSpPr>
         <p:grpSpPr>
           <a:xfrm>
-            <a:off x="8553899" y="3242873"/>
+            <a:off x="8334958" y="2933780"/>
             <a:ext cx="3034927" cy="945765"/>
             <a:chOff x="7174424" y="1352592"/>
             <a:chExt cx="2276195" cy="709323"/>
@@ -11729,26 +12677,13 @@
               <a:r>
                 <a:rPr lang="en-US" sz="1333" dirty="0">
                   <a:solidFill>
-                    <a:schemeClr val="tx1">
-                      <a:lumMod val="50000"/>
-                      <a:lumOff val="50000"/>
-                    </a:schemeClr>
+                    <a:srgbClr val="595959"/>
                   </a:solidFill>
                   <a:latin typeface="Segoe UI" panose="020B0502040204020203" pitchFamily="34" charset="0"/>
                   <a:cs typeface="Segoe UI" panose="020B0502040204020203" pitchFamily="34" charset="0"/>
                 </a:rPr>
                 <a:t>The models were evaluated using accuracy or AUC scores are the primary methods of assessment</a:t>
               </a:r>
-              <a:endParaRPr lang="en-US" sz="1333" dirty="0">
-                <a:solidFill>
-                  <a:schemeClr val="tx1">
-                    <a:lumMod val="65000"/>
-                    <a:lumOff val="35000"/>
-                  </a:schemeClr>
-                </a:solidFill>
-                <a:latin typeface="Segoe UI" panose="020B0502040204020203" pitchFamily="34" charset="0"/>
-                <a:cs typeface="Segoe UI" panose="020B0502040204020203" pitchFamily="34" charset="0"/>
-              </a:endParaRPr>
             </a:p>
           </p:txBody>
         </p:sp>
@@ -11821,7 +12756,7 @@
         </p:blipFill>
         <p:spPr>
           <a:xfrm>
-            <a:off x="4593614" y="2089053"/>
+            <a:off x="4374673" y="1779960"/>
             <a:ext cx="532645" cy="532645"/>
           </a:xfrm>
           <a:prstGeom prst="rect">
@@ -11857,7 +12792,7 @@
         </p:blipFill>
         <p:spPr>
           <a:xfrm>
-            <a:off x="3929647" y="3452535"/>
+            <a:off x="3710706" y="3143442"/>
             <a:ext cx="540974" cy="540974"/>
           </a:xfrm>
           <a:prstGeom prst="rect">
@@ -11893,7 +12828,7 @@
         </p:blipFill>
         <p:spPr>
           <a:xfrm>
-            <a:off x="4637876" y="5064981"/>
+            <a:off x="4418935" y="4755888"/>
             <a:ext cx="546823" cy="546823"/>
           </a:xfrm>
           <a:prstGeom prst="rect">
@@ -11929,7 +12864,7 @@
         </p:blipFill>
         <p:spPr>
           <a:xfrm>
-            <a:off x="7091140" y="2057971"/>
+            <a:off x="6872199" y="1748878"/>
             <a:ext cx="528598" cy="528598"/>
           </a:xfrm>
           <a:prstGeom prst="rect">
@@ -11965,7 +12900,7 @@
         </p:blipFill>
         <p:spPr>
           <a:xfrm>
-            <a:off x="7712961" y="3452535"/>
+            <a:off x="7494020" y="3143442"/>
             <a:ext cx="549395" cy="549395"/>
           </a:xfrm>
           <a:prstGeom prst="rect">
@@ -12001,7 +12936,7 @@
         </p:blipFill>
         <p:spPr>
           <a:xfrm>
-            <a:off x="7033192" y="5041101"/>
+            <a:off x="6814251" y="4732008"/>
             <a:ext cx="632250" cy="632250"/>
           </a:xfrm>
           <a:prstGeom prst="rect">
@@ -12037,7 +12972,7 @@
         </p:blipFill>
         <p:spPr>
           <a:xfrm>
-            <a:off x="5460359" y="2940197"/>
+            <a:off x="5241418" y="2631104"/>
             <a:ext cx="1273437" cy="1273437"/>
           </a:xfrm>
           <a:prstGeom prst="rect">
@@ -12059,7 +12994,7 @@
         </p:nvSpPr>
         <p:spPr>
           <a:xfrm>
-            <a:off x="5374095" y="2809738"/>
+            <a:off x="5155154" y="2500645"/>
             <a:ext cx="1448090" cy="1486456"/>
           </a:xfrm>
           <a:prstGeom prst="rect">
@@ -12097,7 +13032,7 @@
           <a:lstStyle/>
           <a:p>
             <a:pPr algn="ctr"/>
-            <a:endParaRPr lang="en-US">
+            <a:endParaRPr lang="en-US" dirty="0">
               <a:latin typeface="Segoe UI" panose="020B0502040204020203" pitchFamily="34" charset="0"/>
               <a:cs typeface="Segoe UI" panose="020B0502040204020203" pitchFamily="34" charset="0"/>
             </a:endParaRPr>
@@ -12221,8 +13156,423 @@
                 <a:latin typeface="Segoe UI" panose="020B0502040204020203" pitchFamily="34" charset="0"/>
                 <a:cs typeface="Segoe UI" panose="020B0502040204020203" pitchFamily="34" charset="0"/>
               </a:rPr>
-              <a:t>Topic 2 of 8</a:t>
-            </a:r>
+              <a:t>Topic 2 of 6</a:t>
+            </a:r>
+          </a:p>
+        </p:txBody>
+      </p:sp>
+      <p:sp>
+        <p:nvSpPr>
+          <p:cNvPr id="87" name="Rectangle 86">
+            <a:extLst>
+              <a:ext uri="{FF2B5EF4-FFF2-40B4-BE49-F238E27FC236}">
+                <a16:creationId xmlns:a16="http://schemas.microsoft.com/office/drawing/2014/main" id="{DF85A05C-684C-42FD-8D4B-E80884664C68}"/>
+              </a:ext>
+            </a:extLst>
+          </p:cNvPr>
+          <p:cNvSpPr/>
+          <p:nvPr/>
+        </p:nvSpPr>
+        <p:spPr>
+          <a:xfrm>
+            <a:off x="4065990" y="1425355"/>
+            <a:ext cx="1119786" cy="1205749"/>
+          </a:xfrm>
+          <a:prstGeom prst="rect">
+            <a:avLst/>
+          </a:prstGeom>
+          <a:solidFill>
+            <a:schemeClr val="bg1">
+              <a:alpha val="18000"/>
+            </a:schemeClr>
+          </a:solidFill>
+          <a:ln>
+            <a:solidFill>
+              <a:schemeClr val="bg1"/>
+            </a:solidFill>
+          </a:ln>
+        </p:spPr>
+        <p:style>
+          <a:lnRef idx="2">
+            <a:schemeClr val="accent1">
+              <a:shade val="50000"/>
+            </a:schemeClr>
+          </a:lnRef>
+          <a:fillRef idx="1">
+            <a:schemeClr val="accent1"/>
+          </a:fillRef>
+          <a:effectRef idx="0">
+            <a:schemeClr val="accent1"/>
+          </a:effectRef>
+          <a:fontRef idx="minor">
+            <a:schemeClr val="lt1"/>
+          </a:fontRef>
+        </p:style>
+        <p:txBody>
+          <a:bodyPr rtlCol="0" anchor="ctr"/>
+          <a:lstStyle/>
+          <a:p>
+            <a:pPr algn="ctr"/>
+            <a:endParaRPr lang="en-US" dirty="0">
+              <a:latin typeface="Segoe UI" panose="020B0502040204020203" pitchFamily="34" charset="0"/>
+              <a:cs typeface="Segoe UI" panose="020B0502040204020203" pitchFamily="34" charset="0"/>
+            </a:endParaRPr>
+          </a:p>
+        </p:txBody>
+      </p:sp>
+      <p:sp>
+        <p:nvSpPr>
+          <p:cNvPr id="88" name="Rectangle 87">
+            <a:extLst>
+              <a:ext uri="{FF2B5EF4-FFF2-40B4-BE49-F238E27FC236}">
+                <a16:creationId xmlns:a16="http://schemas.microsoft.com/office/drawing/2014/main" id="{36E53EB2-415C-4CCC-8E84-B824319744A6}"/>
+              </a:ext>
+            </a:extLst>
+          </p:cNvPr>
+          <p:cNvSpPr/>
+          <p:nvPr/>
+        </p:nvSpPr>
+        <p:spPr>
+          <a:xfrm>
+            <a:off x="3417482" y="2797028"/>
+            <a:ext cx="1119786" cy="1205749"/>
+          </a:xfrm>
+          <a:prstGeom prst="rect">
+            <a:avLst/>
+          </a:prstGeom>
+          <a:solidFill>
+            <a:schemeClr val="bg1">
+              <a:alpha val="18000"/>
+            </a:schemeClr>
+          </a:solidFill>
+          <a:ln>
+            <a:solidFill>
+              <a:schemeClr val="bg1"/>
+            </a:solidFill>
+          </a:ln>
+        </p:spPr>
+        <p:style>
+          <a:lnRef idx="2">
+            <a:schemeClr val="accent1">
+              <a:shade val="50000"/>
+            </a:schemeClr>
+          </a:lnRef>
+          <a:fillRef idx="1">
+            <a:schemeClr val="accent1"/>
+          </a:fillRef>
+          <a:effectRef idx="0">
+            <a:schemeClr val="accent1"/>
+          </a:effectRef>
+          <a:fontRef idx="minor">
+            <a:schemeClr val="lt1"/>
+          </a:fontRef>
+        </p:style>
+        <p:txBody>
+          <a:bodyPr rtlCol="0" anchor="ctr"/>
+          <a:lstStyle/>
+          <a:p>
+            <a:pPr algn="ctr"/>
+            <a:endParaRPr lang="en-US" dirty="0">
+              <a:latin typeface="Segoe UI" panose="020B0502040204020203" pitchFamily="34" charset="0"/>
+              <a:cs typeface="Segoe UI" panose="020B0502040204020203" pitchFamily="34" charset="0"/>
+            </a:endParaRPr>
+          </a:p>
+        </p:txBody>
+      </p:sp>
+      <p:sp>
+        <p:nvSpPr>
+          <p:cNvPr id="89" name="Rectangle 88">
+            <a:extLst>
+              <a:ext uri="{FF2B5EF4-FFF2-40B4-BE49-F238E27FC236}">
+                <a16:creationId xmlns:a16="http://schemas.microsoft.com/office/drawing/2014/main" id="{A26BC8A4-8180-46C1-A3E1-69BA5D1A177A}"/>
+              </a:ext>
+            </a:extLst>
+          </p:cNvPr>
+          <p:cNvSpPr/>
+          <p:nvPr/>
+        </p:nvSpPr>
+        <p:spPr>
+          <a:xfrm>
+            <a:off x="4132453" y="4471524"/>
+            <a:ext cx="1130132" cy="1205749"/>
+          </a:xfrm>
+          <a:prstGeom prst="rect">
+            <a:avLst/>
+          </a:prstGeom>
+          <a:solidFill>
+            <a:schemeClr val="bg1">
+              <a:alpha val="18000"/>
+            </a:schemeClr>
+          </a:solidFill>
+          <a:ln>
+            <a:solidFill>
+              <a:schemeClr val="bg1"/>
+            </a:solidFill>
+          </a:ln>
+        </p:spPr>
+        <p:style>
+          <a:lnRef idx="2">
+            <a:schemeClr val="accent1">
+              <a:shade val="50000"/>
+            </a:schemeClr>
+          </a:lnRef>
+          <a:fillRef idx="1">
+            <a:schemeClr val="accent1"/>
+          </a:fillRef>
+          <a:effectRef idx="0">
+            <a:schemeClr val="accent1"/>
+          </a:effectRef>
+          <a:fontRef idx="minor">
+            <a:schemeClr val="lt1"/>
+          </a:fontRef>
+        </p:style>
+        <p:txBody>
+          <a:bodyPr rtlCol="0" anchor="ctr"/>
+          <a:lstStyle/>
+          <a:p>
+            <a:pPr algn="ctr"/>
+            <a:endParaRPr lang="en-US" dirty="0">
+              <a:latin typeface="Segoe UI" panose="020B0502040204020203" pitchFamily="34" charset="0"/>
+              <a:cs typeface="Segoe UI" panose="020B0502040204020203" pitchFamily="34" charset="0"/>
+            </a:endParaRPr>
+          </a:p>
+        </p:txBody>
+      </p:sp>
+      <p:sp>
+        <p:nvSpPr>
+          <p:cNvPr id="90" name="Rectangle 89">
+            <a:extLst>
+              <a:ext uri="{FF2B5EF4-FFF2-40B4-BE49-F238E27FC236}">
+                <a16:creationId xmlns:a16="http://schemas.microsoft.com/office/drawing/2014/main" id="{9C232D9D-267E-4EF0-BF24-D6FBBC462F17}"/>
+              </a:ext>
+            </a:extLst>
+          </p:cNvPr>
+          <p:cNvSpPr/>
+          <p:nvPr/>
+        </p:nvSpPr>
+        <p:spPr>
+          <a:xfrm>
+            <a:off x="6438644" y="1359834"/>
+            <a:ext cx="1253764" cy="1271269"/>
+          </a:xfrm>
+          <a:prstGeom prst="rect">
+            <a:avLst/>
+          </a:prstGeom>
+          <a:solidFill>
+            <a:schemeClr val="bg1">
+              <a:alpha val="18000"/>
+            </a:schemeClr>
+          </a:solidFill>
+          <a:ln>
+            <a:solidFill>
+              <a:schemeClr val="bg1"/>
+            </a:solidFill>
+          </a:ln>
+        </p:spPr>
+        <p:style>
+          <a:lnRef idx="2">
+            <a:schemeClr val="accent1">
+              <a:shade val="50000"/>
+            </a:schemeClr>
+          </a:lnRef>
+          <a:fillRef idx="1">
+            <a:schemeClr val="accent1"/>
+          </a:fillRef>
+          <a:effectRef idx="0">
+            <a:schemeClr val="accent1"/>
+          </a:effectRef>
+          <a:fontRef idx="minor">
+            <a:schemeClr val="lt1"/>
+          </a:fontRef>
+        </p:style>
+        <p:txBody>
+          <a:bodyPr rtlCol="0" anchor="ctr"/>
+          <a:lstStyle/>
+          <a:p>
+            <a:pPr algn="ctr"/>
+            <a:endParaRPr lang="en-US" dirty="0">
+              <a:latin typeface="Segoe UI" panose="020B0502040204020203" pitchFamily="34" charset="0"/>
+              <a:cs typeface="Segoe UI" panose="020B0502040204020203" pitchFamily="34" charset="0"/>
+            </a:endParaRPr>
+          </a:p>
+        </p:txBody>
+      </p:sp>
+      <p:sp>
+        <p:nvSpPr>
+          <p:cNvPr id="91" name="Rectangle 90">
+            <a:extLst>
+              <a:ext uri="{FF2B5EF4-FFF2-40B4-BE49-F238E27FC236}">
+                <a16:creationId xmlns:a16="http://schemas.microsoft.com/office/drawing/2014/main" id="{D536EBFB-ECBD-4E76-87AD-280A59E55F62}"/>
+              </a:ext>
+            </a:extLst>
+          </p:cNvPr>
+          <p:cNvSpPr/>
+          <p:nvPr/>
+        </p:nvSpPr>
+        <p:spPr>
+          <a:xfrm>
+            <a:off x="7053120" y="2773835"/>
+            <a:ext cx="1253764" cy="1271269"/>
+          </a:xfrm>
+          <a:prstGeom prst="rect">
+            <a:avLst/>
+          </a:prstGeom>
+          <a:solidFill>
+            <a:schemeClr val="bg1">
+              <a:alpha val="18000"/>
+            </a:schemeClr>
+          </a:solidFill>
+          <a:ln>
+            <a:solidFill>
+              <a:schemeClr val="bg1"/>
+            </a:solidFill>
+          </a:ln>
+        </p:spPr>
+        <p:style>
+          <a:lnRef idx="2">
+            <a:schemeClr val="accent1">
+              <a:shade val="50000"/>
+            </a:schemeClr>
+          </a:lnRef>
+          <a:fillRef idx="1">
+            <a:schemeClr val="accent1"/>
+          </a:fillRef>
+          <a:effectRef idx="0">
+            <a:schemeClr val="accent1"/>
+          </a:effectRef>
+          <a:fontRef idx="minor">
+            <a:schemeClr val="lt1"/>
+          </a:fontRef>
+        </p:style>
+        <p:txBody>
+          <a:bodyPr rtlCol="0" anchor="ctr"/>
+          <a:lstStyle/>
+          <a:p>
+            <a:pPr algn="ctr"/>
+            <a:endParaRPr lang="en-US" dirty="0">
+              <a:latin typeface="Segoe UI" panose="020B0502040204020203" pitchFamily="34" charset="0"/>
+              <a:cs typeface="Segoe UI" panose="020B0502040204020203" pitchFamily="34" charset="0"/>
+            </a:endParaRPr>
+          </a:p>
+        </p:txBody>
+      </p:sp>
+      <p:sp>
+        <p:nvSpPr>
+          <p:cNvPr id="92" name="Rectangle 91">
+            <a:extLst>
+              <a:ext uri="{FF2B5EF4-FFF2-40B4-BE49-F238E27FC236}">
+                <a16:creationId xmlns:a16="http://schemas.microsoft.com/office/drawing/2014/main" id="{2412EA3C-EE5D-4C94-B1BE-848A70322752}"/>
+              </a:ext>
+            </a:extLst>
+          </p:cNvPr>
+          <p:cNvSpPr/>
+          <p:nvPr/>
+        </p:nvSpPr>
+        <p:spPr>
+          <a:xfrm>
+            <a:off x="6530416" y="4412498"/>
+            <a:ext cx="1253764" cy="1271269"/>
+          </a:xfrm>
+          <a:prstGeom prst="rect">
+            <a:avLst/>
+          </a:prstGeom>
+          <a:solidFill>
+            <a:schemeClr val="bg1">
+              <a:alpha val="18000"/>
+            </a:schemeClr>
+          </a:solidFill>
+          <a:ln>
+            <a:solidFill>
+              <a:schemeClr val="bg1"/>
+            </a:solidFill>
+          </a:ln>
+        </p:spPr>
+        <p:style>
+          <a:lnRef idx="2">
+            <a:schemeClr val="accent1">
+              <a:shade val="50000"/>
+            </a:schemeClr>
+          </a:lnRef>
+          <a:fillRef idx="1">
+            <a:schemeClr val="accent1"/>
+          </a:fillRef>
+          <a:effectRef idx="0">
+            <a:schemeClr val="accent1"/>
+          </a:effectRef>
+          <a:fontRef idx="minor">
+            <a:schemeClr val="lt1"/>
+          </a:fontRef>
+        </p:style>
+        <p:txBody>
+          <a:bodyPr rtlCol="0" anchor="ctr"/>
+          <a:lstStyle/>
+          <a:p>
+            <a:pPr algn="ctr"/>
+            <a:endParaRPr lang="en-US" dirty="0">
+              <a:latin typeface="Segoe UI" panose="020B0502040204020203" pitchFamily="34" charset="0"/>
+              <a:cs typeface="Segoe UI" panose="020B0502040204020203" pitchFamily="34" charset="0"/>
+            </a:endParaRPr>
+          </a:p>
+        </p:txBody>
+      </p:sp>
+      <p:sp>
+        <p:nvSpPr>
+          <p:cNvPr id="94" name="Rectangle 93">
+            <a:extLst>
+              <a:ext uri="{FF2B5EF4-FFF2-40B4-BE49-F238E27FC236}">
+                <a16:creationId xmlns:a16="http://schemas.microsoft.com/office/drawing/2014/main" id="{350F6FB7-F91D-48C3-8926-E15D6B3CC7B0}"/>
+              </a:ext>
+            </a:extLst>
+          </p:cNvPr>
+          <p:cNvSpPr/>
+          <p:nvPr/>
+        </p:nvSpPr>
+        <p:spPr>
+          <a:xfrm>
+            <a:off x="109627" y="283882"/>
+            <a:ext cx="11142030" cy="707873"/>
+          </a:xfrm>
+          <a:prstGeom prst="rect">
+            <a:avLst/>
+          </a:prstGeom>
+          <a:solidFill>
+            <a:schemeClr val="bg1">
+              <a:alpha val="18000"/>
+            </a:schemeClr>
+          </a:solidFill>
+          <a:ln>
+            <a:solidFill>
+              <a:schemeClr val="bg1">
+                <a:alpha val="0"/>
+              </a:schemeClr>
+            </a:solidFill>
+          </a:ln>
+        </p:spPr>
+        <p:style>
+          <a:lnRef idx="2">
+            <a:schemeClr val="accent1">
+              <a:shade val="50000"/>
+            </a:schemeClr>
+          </a:lnRef>
+          <a:fillRef idx="1">
+            <a:schemeClr val="accent1"/>
+          </a:fillRef>
+          <a:effectRef idx="0">
+            <a:schemeClr val="accent1"/>
+          </a:effectRef>
+          <a:fontRef idx="minor">
+            <a:schemeClr val="lt1"/>
+          </a:fontRef>
+        </p:style>
+        <p:txBody>
+          <a:bodyPr rtlCol="0" anchor="ctr"/>
+          <a:lstStyle/>
+          <a:p>
+            <a:pPr algn="ctr"/>
+            <a:endParaRPr lang="en-US" dirty="0">
+              <a:latin typeface="Segoe UI" panose="020B0502040204020203" pitchFamily="34" charset="0"/>
+              <a:cs typeface="Segoe UI" panose="020B0502040204020203" pitchFamily="34" charset="0"/>
+            </a:endParaRPr>
           </a:p>
         </p:txBody>
       </p:sp>
@@ -13458,7 +14808,7 @@
         <p:spPr>
           <a:xfrm>
             <a:off x="396853" y="1365718"/>
-            <a:ext cx="11069433" cy="3462807"/>
+            <a:ext cx="11069433" cy="4316887"/>
           </a:xfrm>
           <a:prstGeom prst="rect">
             <a:avLst/>
@@ -13487,7 +14837,7 @@
               <a:defRPr/>
             </a:pPr>
             <a:r>
-              <a:rPr kumimoji="0" lang="en-US" b="1" i="0" u="none" strike="noStrike" kern="1200" cap="none" spc="0" normalizeH="0" baseline="0" noProof="0" dirty="0">
+              <a:rPr kumimoji="0" lang="en-US" sz="2400" b="1" i="0" u="none" strike="noStrike" kern="1200" cap="none" spc="0" normalizeH="0" baseline="0" noProof="0" dirty="0">
                 <a:ln>
                   <a:noFill/>
                 </a:ln>
@@ -13555,7 +14905,45 @@
                 <a:latin typeface="Segoe UI" panose="020B0502040204020203" pitchFamily="34" charset="0"/>
                 <a:cs typeface="Segoe UI" panose="020B0502040204020203" pitchFamily="34" charset="0"/>
               </a:rPr>
-              <a:t>The aim of the paper is to develop a trustworthy and interpretable model that will predict customers that will churn.</a:t>
+              <a:t>The aim of the paper is to develop a </a:t>
+            </a:r>
+            <a:r>
+              <a:rPr kumimoji="0" lang="en-US" sz="1600" b="1" i="0" u="none" strike="noStrike" kern="1200" cap="none" spc="0" normalizeH="0" baseline="0" noProof="0" dirty="0">
+                <a:ln>
+                  <a:noFill/>
+                </a:ln>
+                <a:solidFill>
+                  <a:schemeClr val="tx1">
+                    <a:lumMod val="85000"/>
+                    <a:lumOff val="15000"/>
+                  </a:schemeClr>
+                </a:solidFill>
+                <a:effectLst/>
+                <a:uLnTx/>
+                <a:uFillTx/>
+                <a:latin typeface="Segoe UI" panose="020B0502040204020203" pitchFamily="34" charset="0"/>
+                <a:cs typeface="Segoe UI" panose="020B0502040204020203" pitchFamily="34" charset="0"/>
+              </a:rPr>
+              <a:t>trustworthy and interpretable model </a:t>
+            </a:r>
+            <a:r>
+              <a:rPr kumimoji="0" lang="en-US" sz="1600" i="0" u="none" strike="noStrike" kern="1200" cap="none" spc="0" normalizeH="0" baseline="0" noProof="0" dirty="0">
+                <a:ln>
+                  <a:noFill/>
+                </a:ln>
+                <a:solidFill>
+                  <a:schemeClr val="tx1">
+                    <a:lumMod val="85000"/>
+                    <a:lumOff val="15000"/>
+                  </a:schemeClr>
+                </a:solidFill>
+                <a:effectLst/>
+                <a:uLnTx/>
+                <a:uFillTx/>
+                <a:latin typeface="Segoe UI" panose="020B0502040204020203" pitchFamily="34" charset="0"/>
+                <a:cs typeface="Segoe UI" panose="020B0502040204020203" pitchFamily="34" charset="0"/>
+              </a:rPr>
+              <a:t>that will predict customers that will churn.</a:t>
             </a:r>
           </a:p>
           <a:p>
@@ -13602,7 +14990,7 @@
               <a:defRPr/>
             </a:pPr>
             <a:r>
-              <a:rPr kumimoji="0" lang="en-US" b="1" i="0" u="none" strike="noStrike" kern="1200" cap="none" spc="0" normalizeH="0" baseline="0" noProof="0" dirty="0">
+              <a:rPr kumimoji="0" lang="en-US" sz="2400" b="1" i="0" u="none" strike="noStrike" kern="1200" cap="none" spc="0" normalizeH="0" baseline="0" noProof="0" dirty="0">
                 <a:ln>
                   <a:noFill/>
                 </a:ln>
@@ -13620,7 +15008,37 @@
               </a:rPr>
               <a:t>Objectives</a:t>
             </a:r>
-            <a:endParaRPr kumimoji="0" lang="en-US" sz="1600" b="1" i="0" u="none" strike="noStrike" kern="1200" cap="none" spc="0" normalizeH="0" baseline="0" noProof="0" dirty="0">
+          </a:p>
+          <a:p>
+            <a:pPr marR="0" lvl="0" defTabSz="914400" rtl="0" eaLnBrk="1" fontAlgn="auto" latinLnBrk="0" hangingPunct="1">
+              <a:lnSpc>
+                <a:spcPct val="150000"/>
+              </a:lnSpc>
+              <a:spcBef>
+                <a:spcPts val="0"/>
+              </a:spcBef>
+              <a:spcAft>
+                <a:spcPts val="0"/>
+              </a:spcAft>
+              <a:buClrTx/>
+              <a:buSzTx/>
+              <a:tabLst/>
+              <a:defRPr/>
+            </a:pPr>
+            <a:r>
+              <a:rPr lang="en-US" sz="500" b="1" dirty="0">
+                <a:solidFill>
+                  <a:schemeClr val="tx1">
+                    <a:lumMod val="85000"/>
+                    <a:lumOff val="15000"/>
+                  </a:schemeClr>
+                </a:solidFill>
+                <a:latin typeface="Segoe UI" panose="020B0502040204020203" pitchFamily="34" charset="0"/>
+                <a:cs typeface="Segoe UI" panose="020B0502040204020203" pitchFamily="34" charset="0"/>
+              </a:rPr>
+              <a:t> </a:t>
+            </a:r>
+            <a:endParaRPr kumimoji="0" lang="en-US" sz="500" b="1" i="0" u="none" strike="noStrike" kern="1200" cap="none" spc="0" normalizeH="0" baseline="0" noProof="0" dirty="0">
               <a:ln>
                 <a:noFill/>
               </a:ln>
@@ -13656,6 +15074,25 @@
               <a:defRPr/>
             </a:pPr>
             <a:r>
+              <a:rPr kumimoji="0" lang="en-US" sz="1600" b="1" i="1" u="none" strike="noStrike" kern="1200" cap="none" spc="0" normalizeH="0" baseline="0" noProof="0" dirty="0">
+                <a:ln>
+                  <a:noFill/>
+                </a:ln>
+                <a:solidFill>
+                  <a:schemeClr val="tx1">
+                    <a:lumMod val="85000"/>
+                    <a:lumOff val="15000"/>
+                  </a:schemeClr>
+                </a:solidFill>
+                <a:effectLst/>
+                <a:uLnTx/>
+                <a:uFillTx/>
+                <a:latin typeface="Segoe UI" panose="020B0502040204020203" pitchFamily="34" charset="0"/>
+                <a:cs typeface="Segoe UI" panose="020B0502040204020203" pitchFamily="34" charset="0"/>
+              </a:rPr>
+              <a:t>Visualize patterns</a:t>
+            </a:r>
+            <a:r>
               <a:rPr kumimoji="0" lang="en-US" sz="1600" i="0" u="none" strike="noStrike" kern="1200" cap="none" spc="0" normalizeH="0" baseline="0" noProof="0" dirty="0">
                 <a:ln>
                   <a:noFill/>
@@ -13672,8 +15109,61 @@
                 <a:latin typeface="Segoe UI" panose="020B0502040204020203" pitchFamily="34" charset="0"/>
                 <a:cs typeface="Segoe UI" panose="020B0502040204020203" pitchFamily="34" charset="0"/>
               </a:rPr>
-              <a:t>Visualize patterns of customer behavior</a:t>
-            </a:r>
+              <a:t> of customer behavior</a:t>
+            </a:r>
+            <a:br>
+              <a:rPr kumimoji="0" lang="en-US" sz="1600" i="0" u="none" strike="noStrike" kern="1200" cap="none" spc="0" normalizeH="0" baseline="0" noProof="0" dirty="0">
+                <a:ln>
+                  <a:noFill/>
+                </a:ln>
+                <a:solidFill>
+                  <a:schemeClr val="tx1">
+                    <a:lumMod val="85000"/>
+                    <a:lumOff val="15000"/>
+                  </a:schemeClr>
+                </a:solidFill>
+                <a:effectLst/>
+                <a:uLnTx/>
+                <a:uFillTx/>
+                <a:latin typeface="Segoe UI" panose="020B0502040204020203" pitchFamily="34" charset="0"/>
+                <a:cs typeface="Segoe UI" panose="020B0502040204020203" pitchFamily="34" charset="0"/>
+              </a:rPr>
+            </a:br>
+            <a:r>
+              <a:rPr kumimoji="0" lang="en-US" sz="500" i="0" u="none" strike="noStrike" kern="1200" cap="none" spc="0" normalizeH="0" baseline="0" noProof="0" dirty="0">
+                <a:ln>
+                  <a:noFill/>
+                </a:ln>
+                <a:solidFill>
+                  <a:schemeClr val="tx1">
+                    <a:lumMod val="85000"/>
+                    <a:lumOff val="15000"/>
+                  </a:schemeClr>
+                </a:solidFill>
+                <a:effectLst/>
+                <a:uLnTx/>
+                <a:uFillTx/>
+                <a:latin typeface="Segoe UI" panose="020B0502040204020203" pitchFamily="34" charset="0"/>
+                <a:cs typeface="Segoe UI" panose="020B0502040204020203" pitchFamily="34" charset="0"/>
+              </a:rPr>
+              <a:t> </a:t>
+            </a:r>
+            <a:endParaRPr kumimoji="0" lang="en-US" sz="1600" i="0" u="none" strike="noStrike" kern="1200" cap="none" spc="0" normalizeH="0" baseline="0" noProof="0" dirty="0">
+              <a:ln>
+                <a:noFill/>
+              </a:ln>
+              <a:solidFill>
+                <a:schemeClr val="tx1">
+                  <a:lumMod val="85000"/>
+                  <a:lumOff val="15000"/>
+                </a:schemeClr>
+              </a:solidFill>
+              <a:effectLst/>
+              <a:uLnTx/>
+              <a:uFillTx/>
+              <a:latin typeface="Segoe UI" panose="020B0502040204020203" pitchFamily="34" charset="0"/>
+              <a:cs typeface="Segoe UI" panose="020B0502040204020203" pitchFamily="34" charset="0"/>
+            </a:endParaRPr>
           </a:p>
           <a:p>
             <a:pPr marL="285750" marR="0" lvl="0" indent="-285750" defTabSz="914400" rtl="0" eaLnBrk="1" fontAlgn="auto" latinLnBrk="0" hangingPunct="1">
@@ -13694,6 +15184,19 @@
               <a:defRPr/>
             </a:pPr>
             <a:r>
+              <a:rPr lang="en-US" sz="1600" b="1" i="1" dirty="0">
+                <a:solidFill>
+                  <a:schemeClr val="tx1">
+                    <a:lumMod val="85000"/>
+                    <a:lumOff val="15000"/>
+                  </a:schemeClr>
+                </a:solidFill>
+                <a:latin typeface="Segoe UI" panose="020B0502040204020203" pitchFamily="34" charset="0"/>
+                <a:cs typeface="Segoe UI" panose="020B0502040204020203" pitchFamily="34" charset="0"/>
+              </a:rPr>
+              <a:t>Feature Selection</a:t>
+            </a:r>
+            <a:r>
               <a:rPr lang="en-US" sz="1600" dirty="0">
                 <a:solidFill>
                   <a:schemeClr val="tx1">
@@ -13704,7 +15207,32 @@
                 <a:latin typeface="Segoe UI" panose="020B0502040204020203" pitchFamily="34" charset="0"/>
                 <a:cs typeface="Segoe UI" panose="020B0502040204020203" pitchFamily="34" charset="0"/>
               </a:rPr>
-              <a:t>Feature Selection to identify important attributes</a:t>
+              <a:t> to identify important attributes</a:t>
+            </a:r>
+            <a:br>
+              <a:rPr lang="en-US" sz="1600" dirty="0">
+                <a:solidFill>
+                  <a:schemeClr val="tx1">
+                    <a:lumMod val="85000"/>
+                    <a:lumOff val="15000"/>
+                  </a:schemeClr>
+                </a:solidFill>
+                <a:latin typeface="Segoe UI" panose="020B0502040204020203" pitchFamily="34" charset="0"/>
+                <a:cs typeface="Segoe UI" panose="020B0502040204020203" pitchFamily="34" charset="0"/>
+              </a:rPr>
+            </a:br>
+            <a:r>
+              <a:rPr lang="en-US" sz="500" dirty="0">
+                <a:solidFill>
+                  <a:schemeClr val="tx1">
+                    <a:lumMod val="85000"/>
+                    <a:lumOff val="15000"/>
+                  </a:schemeClr>
+                </a:solidFill>
+                <a:latin typeface="Segoe UI" panose="020B0502040204020203" pitchFamily="34" charset="0"/>
+                <a:cs typeface="Segoe UI" panose="020B0502040204020203" pitchFamily="34" charset="0"/>
+              </a:rPr>
+              <a:t> </a:t>
             </a:r>
           </a:p>
           <a:p>
@@ -13742,7 +15270,82 @@
                 <a:latin typeface="Segoe UI" panose="020B0502040204020203" pitchFamily="34" charset="0"/>
                 <a:cs typeface="Segoe UI" panose="020B0502040204020203" pitchFamily="34" charset="0"/>
               </a:rPr>
-              <a:t>Implement class balancing techniques to improve model performance</a:t>
+              <a:t>Implement </a:t>
+            </a:r>
+            <a:r>
+              <a:rPr kumimoji="0" lang="en-US" sz="1600" b="1" i="1" u="none" strike="noStrike" kern="1200" cap="none" spc="0" normalizeH="0" baseline="0" noProof="0" dirty="0">
+                <a:ln>
+                  <a:noFill/>
+                </a:ln>
+                <a:solidFill>
+                  <a:schemeClr val="tx1">
+                    <a:lumMod val="85000"/>
+                    <a:lumOff val="15000"/>
+                  </a:schemeClr>
+                </a:solidFill>
+                <a:effectLst/>
+                <a:uLnTx/>
+                <a:uFillTx/>
+                <a:latin typeface="Segoe UI" panose="020B0502040204020203" pitchFamily="34" charset="0"/>
+                <a:cs typeface="Segoe UI" panose="020B0502040204020203" pitchFamily="34" charset="0"/>
+              </a:rPr>
+              <a:t>class balancing</a:t>
+            </a:r>
+            <a:r>
+              <a:rPr kumimoji="0" lang="en-US" sz="1600" i="0" u="none" strike="noStrike" kern="1200" cap="none" spc="0" normalizeH="0" baseline="0" noProof="0" dirty="0">
+                <a:ln>
+                  <a:noFill/>
+                </a:ln>
+                <a:solidFill>
+                  <a:schemeClr val="tx1">
+                    <a:lumMod val="85000"/>
+                    <a:lumOff val="15000"/>
+                  </a:schemeClr>
+                </a:solidFill>
+                <a:effectLst/>
+                <a:uLnTx/>
+                <a:uFillTx/>
+                <a:latin typeface="Segoe UI" panose="020B0502040204020203" pitchFamily="34" charset="0"/>
+                <a:cs typeface="Segoe UI" panose="020B0502040204020203" pitchFamily="34" charset="0"/>
+              </a:rPr>
+              <a:t> techniques to improve model performance</a:t>
+            </a:r>
+            <a:br>
+              <a:rPr kumimoji="0" lang="en-US" sz="1600" i="0" u="none" strike="noStrike" kern="1200" cap="none" spc="0" normalizeH="0" baseline="0" noProof="0" dirty="0">
+                <a:ln>
+                  <a:noFill/>
+                </a:ln>
+                <a:solidFill>
+                  <a:schemeClr val="tx1">
+                    <a:lumMod val="85000"/>
+                    <a:lumOff val="15000"/>
+                  </a:schemeClr>
+                </a:solidFill>
+                <a:effectLst/>
+                <a:uLnTx/>
+                <a:uFillTx/>
+                <a:latin typeface="Segoe UI" panose="020B0502040204020203" pitchFamily="34" charset="0"/>
+                <a:cs typeface="Segoe UI" panose="020B0502040204020203" pitchFamily="34" charset="0"/>
+              </a:rPr>
+            </a:br>
+            <a:r>
+              <a:rPr kumimoji="0" lang="en-US" sz="500" i="0" u="none" strike="noStrike" kern="1200" cap="none" spc="0" normalizeH="0" baseline="0" noProof="0" dirty="0">
+                <a:ln>
+                  <a:noFill/>
+                </a:ln>
+                <a:solidFill>
+                  <a:schemeClr val="tx1">
+                    <a:lumMod val="85000"/>
+                    <a:lumOff val="15000"/>
+                  </a:schemeClr>
+                </a:solidFill>
+                <a:effectLst/>
+                <a:uLnTx/>
+                <a:uFillTx/>
+                <a:latin typeface="Segoe UI" panose="020B0502040204020203" pitchFamily="34" charset="0"/>
+                <a:cs typeface="Segoe UI" panose="020B0502040204020203" pitchFamily="34" charset="0"/>
+              </a:rPr>
+              <a:t> </a:t>
             </a:r>
           </a:p>
           <a:p>
@@ -13780,7 +15383,63 @@
                 <a:latin typeface="Segoe UI" panose="020B0502040204020203" pitchFamily="34" charset="0"/>
                 <a:cs typeface="Segoe UI" panose="020B0502040204020203" pitchFamily="34" charset="0"/>
               </a:rPr>
-              <a:t>Develop and evaluate various machine learning models</a:t>
+              <a:t>Develop and </a:t>
+            </a:r>
+            <a:r>
+              <a:rPr kumimoji="0" lang="en-US" sz="1600" b="1" i="1" u="none" strike="noStrike" kern="1200" cap="none" spc="0" normalizeH="0" baseline="0" noProof="0" dirty="0">
+                <a:ln>
+                  <a:noFill/>
+                </a:ln>
+                <a:solidFill>
+                  <a:schemeClr val="tx1">
+                    <a:lumMod val="85000"/>
+                    <a:lumOff val="15000"/>
+                  </a:schemeClr>
+                </a:solidFill>
+                <a:effectLst/>
+                <a:uLnTx/>
+                <a:uFillTx/>
+                <a:latin typeface="Segoe UI" panose="020B0502040204020203" pitchFamily="34" charset="0"/>
+                <a:cs typeface="Segoe UI" panose="020B0502040204020203" pitchFamily="34" charset="0"/>
+              </a:rPr>
+              <a:t>evaluate machine learning models</a:t>
+            </a:r>
+            <a:br>
+              <a:rPr kumimoji="0" lang="en-US" sz="1600" b="1" i="1" u="none" strike="noStrike" kern="1200" cap="none" spc="0" normalizeH="0" baseline="0" noProof="0" dirty="0">
+                <a:ln>
+                  <a:noFill/>
+                </a:ln>
+                <a:solidFill>
+                  <a:schemeClr val="tx1">
+                    <a:lumMod val="85000"/>
+                    <a:lumOff val="15000"/>
+                  </a:schemeClr>
+                </a:solidFill>
+                <a:effectLst/>
+                <a:uLnTx/>
+                <a:uFillTx/>
+                <a:latin typeface="Segoe UI" panose="020B0502040204020203" pitchFamily="34" charset="0"/>
+                <a:cs typeface="Segoe UI" panose="020B0502040204020203" pitchFamily="34" charset="0"/>
+              </a:rPr>
+            </a:br>
+            <a:r>
+              <a:rPr kumimoji="0" lang="en-US" sz="500" b="1" i="1" u="none" strike="noStrike" kern="1200" cap="none" spc="0" normalizeH="0" baseline="0" noProof="0" dirty="0">
+                <a:ln>
+                  <a:noFill/>
+                </a:ln>
+                <a:solidFill>
+                  <a:schemeClr val="tx1">
+                    <a:lumMod val="85000"/>
+                    <a:lumOff val="15000"/>
+                  </a:schemeClr>
+                </a:solidFill>
+                <a:effectLst/>
+                <a:uLnTx/>
+                <a:uFillTx/>
+                <a:latin typeface="Segoe UI" panose="020B0502040204020203" pitchFamily="34" charset="0"/>
+                <a:cs typeface="Segoe UI" panose="020B0502040204020203" pitchFamily="34" charset="0"/>
+              </a:rPr>
+              <a:t> </a:t>
             </a:r>
           </a:p>
           <a:p>
@@ -13818,7 +15477,26 @@
                 <a:latin typeface="Segoe UI" panose="020B0502040204020203" pitchFamily="34" charset="0"/>
                 <a:cs typeface="Segoe UI" panose="020B0502040204020203" pitchFamily="34" charset="0"/>
               </a:rPr>
-              <a:t>To help the business make sense of the data and predictions, leverage interpretable machine learning</a:t>
+              <a:t>To help the business make sense of predictions, leverage </a:t>
+            </a:r>
+            <a:r>
+              <a:rPr kumimoji="0" lang="en-US" sz="1600" b="1" i="1" u="none" strike="noStrike" kern="1200" cap="none" spc="0" normalizeH="0" baseline="0" noProof="0" dirty="0">
+                <a:ln>
+                  <a:noFill/>
+                </a:ln>
+                <a:solidFill>
+                  <a:schemeClr val="tx1">
+                    <a:lumMod val="85000"/>
+                    <a:lumOff val="15000"/>
+                  </a:schemeClr>
+                </a:solidFill>
+                <a:effectLst/>
+                <a:uLnTx/>
+                <a:uFillTx/>
+                <a:latin typeface="Segoe UI" panose="020B0502040204020203" pitchFamily="34" charset="0"/>
+                <a:cs typeface="Segoe UI" panose="020B0502040204020203" pitchFamily="34" charset="0"/>
+              </a:rPr>
+              <a:t>interpretable machine learning</a:t>
             </a:r>
           </a:p>
         </p:txBody>
@@ -13940,8 +15618,69 @@
                 <a:latin typeface="Segoe UI" panose="020B0502040204020203" pitchFamily="34" charset="0"/>
                 <a:cs typeface="Segoe UI" panose="020B0502040204020203" pitchFamily="34" charset="0"/>
               </a:rPr>
-              <a:t>Topic 3 of 8</a:t>
-            </a:r>
+              <a:t>Topic 3 of 6</a:t>
+            </a:r>
+          </a:p>
+        </p:txBody>
+      </p:sp>
+      <p:sp>
+        <p:nvSpPr>
+          <p:cNvPr id="8" name="Rectangle 7">
+            <a:extLst>
+              <a:ext uri="{FF2B5EF4-FFF2-40B4-BE49-F238E27FC236}">
+                <a16:creationId xmlns:a16="http://schemas.microsoft.com/office/drawing/2014/main" id="{145399E9-B353-4DCB-8252-8B3FCBDD60F4}"/>
+              </a:ext>
+            </a:extLst>
+          </p:cNvPr>
+          <p:cNvSpPr/>
+          <p:nvPr/>
+        </p:nvSpPr>
+        <p:spPr>
+          <a:xfrm>
+            <a:off x="109627" y="283882"/>
+            <a:ext cx="11142030" cy="707873"/>
+          </a:xfrm>
+          <a:prstGeom prst="rect">
+            <a:avLst/>
+          </a:prstGeom>
+          <a:solidFill>
+            <a:schemeClr val="bg1">
+              <a:alpha val="18000"/>
+            </a:schemeClr>
+          </a:solidFill>
+          <a:ln>
+            <a:solidFill>
+              <a:schemeClr val="bg1">
+                <a:alpha val="0"/>
+              </a:schemeClr>
+            </a:solidFill>
+          </a:ln>
+        </p:spPr>
+        <p:style>
+          <a:lnRef idx="2">
+            <a:schemeClr val="accent1">
+              <a:shade val="50000"/>
+            </a:schemeClr>
+          </a:lnRef>
+          <a:fillRef idx="1">
+            <a:schemeClr val="accent1"/>
+          </a:fillRef>
+          <a:effectRef idx="0">
+            <a:schemeClr val="accent1"/>
+          </a:effectRef>
+          <a:fontRef idx="minor">
+            <a:schemeClr val="lt1"/>
+          </a:fontRef>
+        </p:style>
+        <p:txBody>
+          <a:bodyPr rtlCol="0" anchor="ctr"/>
+          <a:lstStyle/>
+          <a:p>
+            <a:pPr algn="ctr"/>
+            <a:endParaRPr lang="en-US" dirty="0">
+              <a:latin typeface="Segoe UI" panose="020B0502040204020203" pitchFamily="34" charset="0"/>
+              <a:cs typeface="Segoe UI" panose="020B0502040204020203" pitchFamily="34" charset="0"/>
+            </a:endParaRPr>
           </a:p>
         </p:txBody>
       </p:sp>
@@ -14532,7 +16271,7 @@
                   <a:latin typeface="Segoe UI" panose="020B0502040204020203" pitchFamily="34" charset="0"/>
                   <a:cs typeface="Segoe UI" panose="020B0502040204020203" pitchFamily="34" charset="0"/>
                 </a:rPr>
-                <a:t>Chi-Square Test, ANOVA, Probability Distribution using Kerner Density Estimation</a:t>
+                <a:t>Chi-Square Test, ANOVA, Probability Distribution using Kernel Density Estimation</a:t>
               </a:r>
             </a:p>
           </p:txBody>
@@ -14731,7 +16470,7 @@
                   <a:latin typeface="Segoe UI" panose="020B0502040204020203" pitchFamily="34" charset="0"/>
                   <a:cs typeface="Segoe UI" panose="020B0502040204020203" pitchFamily="34" charset="0"/>
                 </a:rPr>
-                <a:t>One-Hot Encoding, Feature Importance Analysis, Standardization (After train - test split), Class Balancing</a:t>
+                <a:t>One-Hot Encoding, Feature Importance Analysis, Standardization (After train - validation - test split), Class Balancing</a:t>
               </a:r>
             </a:p>
           </p:txBody>
@@ -14974,9 +16713,9 @@
         <p:grpSpPr>
           <a:xfrm>
             <a:off x="770145" y="4519158"/>
-            <a:ext cx="3265311" cy="930589"/>
+            <a:ext cx="3265311" cy="1135261"/>
             <a:chOff x="625691" y="1862555"/>
-            <a:chExt cx="2506132" cy="697942"/>
+            <a:chExt cx="2506132" cy="851446"/>
           </a:xfrm>
         </p:grpSpPr>
         <p:sp>
@@ -14994,7 +16733,7 @@
           <p:spPr>
             <a:xfrm>
               <a:off x="625691" y="2099986"/>
-              <a:ext cx="2506132" cy="460511"/>
+              <a:ext cx="2506132" cy="614015"/>
             </a:xfrm>
             <a:prstGeom prst="rect">
               <a:avLst/>
@@ -15019,7 +16758,7 @@
                   <a:latin typeface="Segoe UI" panose="020B0502040204020203" pitchFamily="34" charset="0"/>
                   <a:cs typeface="Segoe UI" panose="020B0502040204020203" pitchFamily="34" charset="0"/>
                 </a:rPr>
-                <a:t>Model Interpretability using Locally Interpretable Model - Agnostic Explanation (LIME) and Shapely Additive Explanations</a:t>
+                <a:t>Model Interpretability using Locally Interpretable Model - Agnostic Explanation (LIME) and Shapely Additive Explanations (SHAP)</a:t>
               </a:r>
             </a:p>
           </p:txBody>
@@ -15667,8 +17406,191 @@
                 <a:latin typeface="Segoe UI" panose="020B0502040204020203" pitchFamily="34" charset="0"/>
                 <a:cs typeface="Segoe UI" panose="020B0502040204020203" pitchFamily="34" charset="0"/>
               </a:rPr>
-              <a:t>Topic 4 of 8</a:t>
-            </a:r>
+              <a:t>Topic 4 of 6</a:t>
+            </a:r>
+          </a:p>
+        </p:txBody>
+      </p:sp>
+      <p:sp>
+        <p:nvSpPr>
+          <p:cNvPr id="36" name="Rectangle 35">
+            <a:extLst>
+              <a:ext uri="{FF2B5EF4-FFF2-40B4-BE49-F238E27FC236}">
+                <a16:creationId xmlns:a16="http://schemas.microsoft.com/office/drawing/2014/main" id="{3915CDB6-27E9-46A4-932D-A18BC0F9E7D2}"/>
+              </a:ext>
+            </a:extLst>
+          </p:cNvPr>
+          <p:cNvSpPr/>
+          <p:nvPr/>
+        </p:nvSpPr>
+        <p:spPr>
+          <a:xfrm>
+            <a:off x="653116" y="1494540"/>
+            <a:ext cx="11142030" cy="1271269"/>
+          </a:xfrm>
+          <a:prstGeom prst="rect">
+            <a:avLst/>
+          </a:prstGeom>
+          <a:solidFill>
+            <a:schemeClr val="bg1">
+              <a:alpha val="18000"/>
+            </a:schemeClr>
+          </a:solidFill>
+          <a:ln>
+            <a:solidFill>
+              <a:schemeClr val="bg1">
+                <a:alpha val="0"/>
+              </a:schemeClr>
+            </a:solidFill>
+          </a:ln>
+        </p:spPr>
+        <p:style>
+          <a:lnRef idx="2">
+            <a:schemeClr val="accent1">
+              <a:shade val="50000"/>
+            </a:schemeClr>
+          </a:lnRef>
+          <a:fillRef idx="1">
+            <a:schemeClr val="accent1"/>
+          </a:fillRef>
+          <a:effectRef idx="0">
+            <a:schemeClr val="accent1"/>
+          </a:effectRef>
+          <a:fontRef idx="minor">
+            <a:schemeClr val="lt1"/>
+          </a:fontRef>
+        </p:style>
+        <p:txBody>
+          <a:bodyPr rtlCol="0" anchor="ctr"/>
+          <a:lstStyle/>
+          <a:p>
+            <a:pPr algn="ctr"/>
+            <a:endParaRPr lang="en-US" dirty="0">
+              <a:latin typeface="Segoe UI" panose="020B0502040204020203" pitchFamily="34" charset="0"/>
+              <a:cs typeface="Segoe UI" panose="020B0502040204020203" pitchFamily="34" charset="0"/>
+            </a:endParaRPr>
+          </a:p>
+        </p:txBody>
+      </p:sp>
+      <p:sp>
+        <p:nvSpPr>
+          <p:cNvPr id="37" name="Rectangle 36">
+            <a:extLst>
+              <a:ext uri="{FF2B5EF4-FFF2-40B4-BE49-F238E27FC236}">
+                <a16:creationId xmlns:a16="http://schemas.microsoft.com/office/drawing/2014/main" id="{066A3D75-2926-4180-BF08-EABC60552B94}"/>
+              </a:ext>
+            </a:extLst>
+          </p:cNvPr>
+          <p:cNvSpPr/>
+          <p:nvPr/>
+        </p:nvSpPr>
+        <p:spPr>
+          <a:xfrm>
+            <a:off x="579527" y="3537426"/>
+            <a:ext cx="11142030" cy="1271269"/>
+          </a:xfrm>
+          <a:prstGeom prst="rect">
+            <a:avLst/>
+          </a:prstGeom>
+          <a:solidFill>
+            <a:schemeClr val="bg1">
+              <a:alpha val="18000"/>
+            </a:schemeClr>
+          </a:solidFill>
+          <a:ln>
+            <a:solidFill>
+              <a:schemeClr val="bg1">
+                <a:alpha val="0"/>
+              </a:schemeClr>
+            </a:solidFill>
+          </a:ln>
+        </p:spPr>
+        <p:style>
+          <a:lnRef idx="2">
+            <a:schemeClr val="accent1">
+              <a:shade val="50000"/>
+            </a:schemeClr>
+          </a:lnRef>
+          <a:fillRef idx="1">
+            <a:schemeClr val="accent1"/>
+          </a:fillRef>
+          <a:effectRef idx="0">
+            <a:schemeClr val="accent1"/>
+          </a:effectRef>
+          <a:fontRef idx="minor">
+            <a:schemeClr val="lt1"/>
+          </a:fontRef>
+        </p:style>
+        <p:txBody>
+          <a:bodyPr rtlCol="0" anchor="ctr"/>
+          <a:lstStyle/>
+          <a:p>
+            <a:pPr algn="ctr"/>
+            <a:endParaRPr lang="en-US" dirty="0">
+              <a:latin typeface="Segoe UI" panose="020B0502040204020203" pitchFamily="34" charset="0"/>
+              <a:cs typeface="Segoe UI" panose="020B0502040204020203" pitchFamily="34" charset="0"/>
+            </a:endParaRPr>
+          </a:p>
+        </p:txBody>
+      </p:sp>
+      <p:sp>
+        <p:nvSpPr>
+          <p:cNvPr id="38" name="Rectangle 37">
+            <a:extLst>
+              <a:ext uri="{FF2B5EF4-FFF2-40B4-BE49-F238E27FC236}">
+                <a16:creationId xmlns:a16="http://schemas.microsoft.com/office/drawing/2014/main" id="{16C4EF44-3D76-4C86-9E80-9CB38A3F064C}"/>
+              </a:ext>
+            </a:extLst>
+          </p:cNvPr>
+          <p:cNvSpPr/>
+          <p:nvPr/>
+        </p:nvSpPr>
+        <p:spPr>
+          <a:xfrm>
+            <a:off x="109627" y="283882"/>
+            <a:ext cx="11142030" cy="707873"/>
+          </a:xfrm>
+          <a:prstGeom prst="rect">
+            <a:avLst/>
+          </a:prstGeom>
+          <a:solidFill>
+            <a:schemeClr val="bg1">
+              <a:alpha val="18000"/>
+            </a:schemeClr>
+          </a:solidFill>
+          <a:ln>
+            <a:solidFill>
+              <a:schemeClr val="bg1">
+                <a:alpha val="0"/>
+              </a:schemeClr>
+            </a:solidFill>
+          </a:ln>
+        </p:spPr>
+        <p:style>
+          <a:lnRef idx="2">
+            <a:schemeClr val="accent1">
+              <a:shade val="50000"/>
+            </a:schemeClr>
+          </a:lnRef>
+          <a:fillRef idx="1">
+            <a:schemeClr val="accent1"/>
+          </a:fillRef>
+          <a:effectRef idx="0">
+            <a:schemeClr val="accent1"/>
+          </a:effectRef>
+          <a:fontRef idx="minor">
+            <a:schemeClr val="lt1"/>
+          </a:fontRef>
+        </p:style>
+        <p:txBody>
+          <a:bodyPr rtlCol="0" anchor="ctr"/>
+          <a:lstStyle/>
+          <a:p>
+            <a:pPr algn="ctr"/>
+            <a:endParaRPr lang="en-US" dirty="0">
+              <a:latin typeface="Segoe UI" panose="020B0502040204020203" pitchFamily="34" charset="0"/>
+              <a:cs typeface="Segoe UI" panose="020B0502040204020203" pitchFamily="34" charset="0"/>
+            </a:endParaRPr>
           </a:p>
         </p:txBody>
       </p:sp>
@@ -17130,7 +19052,7 @@
                 <a:latin typeface="Segoe UI" panose="020B0502040204020203" pitchFamily="34" charset="0"/>
                 <a:cs typeface="Segoe UI" panose="020B0502040204020203" pitchFamily="34" charset="0"/>
               </a:rPr>
-              <a:t> Train-Test-Validation</a:t>
+              <a:t> Train-Validation-Test</a:t>
             </a:r>
             <a:endParaRPr kumimoji="0" lang="en-US" sz="2400" b="0" i="0" u="none" strike="noStrike" kern="1200" cap="none" spc="0" normalizeH="0" baseline="0" noProof="0" dirty="0">
               <a:ln>
@@ -17237,10 +19159,7 @@
                   <a:noFill/>
                 </a:ln>
                 <a:solidFill>
-                  <a:schemeClr val="tx1">
-                    <a:lumMod val="85000"/>
-                    <a:lumOff val="15000"/>
-                  </a:schemeClr>
+                  <a:srgbClr val="595959"/>
                 </a:solidFill>
                 <a:effectLst/>
                 <a:uLnTx/>
@@ -17248,7 +19167,7 @@
                 <a:latin typeface="Segoe UI" panose="020B0502040204020203" pitchFamily="34" charset="0"/>
                 <a:cs typeface="Segoe UI" panose="020B0502040204020203" pitchFamily="34" charset="0"/>
               </a:rPr>
-              <a:t>The data has been split into 80% train, 10% test and 10% validation</a:t>
+              <a:t>The data has been split into train, test and validation</a:t>
             </a:r>
             <a:br>
               <a:rPr kumimoji="0" lang="en-US" sz="1400" i="0" u="none" strike="noStrike" kern="1200" cap="none" spc="0" normalizeH="0" baseline="0" noProof="0" dirty="0">
@@ -17256,10 +19175,7 @@
                   <a:noFill/>
                 </a:ln>
                 <a:solidFill>
-                  <a:schemeClr val="tx1">
-                    <a:lumMod val="85000"/>
-                    <a:lumOff val="15000"/>
-                  </a:schemeClr>
+                  <a:srgbClr val="595959"/>
                 </a:solidFill>
                 <a:effectLst/>
                 <a:uLnTx/>
@@ -17273,10 +19189,7 @@
                 <a:noFill/>
               </a:ln>
               <a:solidFill>
-                <a:schemeClr val="tx1">
-                  <a:lumMod val="85000"/>
-                  <a:lumOff val="15000"/>
-                </a:schemeClr>
+                <a:srgbClr val="595959"/>
               </a:solidFill>
               <a:effectLst/>
               <a:uLnTx/>
@@ -17309,10 +19222,7 @@
                   <a:noFill/>
                 </a:ln>
                 <a:solidFill>
-                  <a:schemeClr val="tx1">
-                    <a:lumMod val="85000"/>
-                    <a:lumOff val="15000"/>
-                  </a:schemeClr>
+                  <a:srgbClr val="595959"/>
                 </a:solidFill>
                 <a:effectLst/>
                 <a:uLnTx/>
@@ -17328,10 +19238,7 @@
                   <a:noFill/>
                 </a:ln>
                 <a:solidFill>
-                  <a:schemeClr val="tx1">
-                    <a:lumMod val="85000"/>
-                    <a:lumOff val="15000"/>
-                  </a:schemeClr>
+                  <a:srgbClr val="595959"/>
                 </a:solidFill>
                 <a:effectLst/>
                 <a:uLnTx/>
@@ -17345,10 +19252,7 @@
                 <a:noFill/>
               </a:ln>
               <a:solidFill>
-                <a:schemeClr val="tx1">
-                  <a:lumMod val="85000"/>
-                  <a:lumOff val="15000"/>
-                </a:schemeClr>
+                <a:srgbClr val="595959"/>
               </a:solidFill>
               <a:effectLst/>
               <a:uLnTx/>
@@ -17378,10 +19282,7 @@
             <a:r>
               <a:rPr lang="en-US" sz="1400" dirty="0">
                 <a:solidFill>
-                  <a:schemeClr val="tx1">
-                    <a:lumMod val="85000"/>
-                    <a:lumOff val="15000"/>
-                  </a:schemeClr>
+                  <a:srgbClr val="595959"/>
                 </a:solidFill>
                 <a:latin typeface="Segoe UI" panose="020B0502040204020203" pitchFamily="34" charset="0"/>
                 <a:cs typeface="Segoe UI" panose="020B0502040204020203" pitchFamily="34" charset="0"/>
@@ -17391,10 +19292,7 @@
             <a:br>
               <a:rPr lang="en-US" sz="1400" dirty="0">
                 <a:solidFill>
-                  <a:schemeClr val="tx1">
-                    <a:lumMod val="85000"/>
-                    <a:lumOff val="15000"/>
-                  </a:schemeClr>
+                  <a:srgbClr val="595959"/>
                 </a:solidFill>
                 <a:latin typeface="Segoe UI" panose="020B0502040204020203" pitchFamily="34" charset="0"/>
                 <a:cs typeface="Segoe UI" panose="020B0502040204020203" pitchFamily="34" charset="0"/>
@@ -17402,10 +19300,7 @@
             </a:br>
             <a:endParaRPr lang="en-US" sz="1400" dirty="0">
               <a:solidFill>
-                <a:schemeClr val="tx1">
-                  <a:lumMod val="85000"/>
-                  <a:lumOff val="15000"/>
-                </a:schemeClr>
+                <a:srgbClr val="595959"/>
               </a:solidFill>
               <a:latin typeface="Segoe UI" panose="020B0502040204020203" pitchFamily="34" charset="0"/>
               <a:cs typeface="Segoe UI" panose="020B0502040204020203" pitchFamily="34" charset="0"/>
@@ -17435,10 +19330,7 @@
                   <a:noFill/>
                 </a:ln>
                 <a:solidFill>
-                  <a:schemeClr val="tx1">
-                    <a:lumMod val="85000"/>
-                    <a:lumOff val="15000"/>
-                  </a:schemeClr>
+                  <a:srgbClr val="595959"/>
                 </a:solidFill>
                 <a:effectLst/>
                 <a:uLnTx/>
@@ -17454,10 +19346,7 @@
                   <a:noFill/>
                 </a:ln>
                 <a:solidFill>
-                  <a:schemeClr val="tx1">
-                    <a:lumMod val="85000"/>
-                    <a:lumOff val="15000"/>
-                  </a:schemeClr>
+                  <a:srgbClr val="595959"/>
                 </a:solidFill>
                 <a:effectLst/>
                 <a:uLnTx/>
@@ -17471,10 +19360,7 @@
                 <a:noFill/>
               </a:ln>
               <a:solidFill>
-                <a:schemeClr val="tx1">
-                  <a:lumMod val="85000"/>
-                  <a:lumOff val="15000"/>
-                </a:schemeClr>
+                <a:srgbClr val="595959"/>
               </a:solidFill>
               <a:effectLst/>
               <a:uLnTx/>
@@ -17504,10 +19390,7 @@
             <a:r>
               <a:rPr lang="en-US" sz="1400" dirty="0">
                 <a:solidFill>
-                  <a:schemeClr val="tx1">
-                    <a:lumMod val="85000"/>
-                    <a:lumOff val="15000"/>
-                  </a:schemeClr>
+                  <a:srgbClr val="595959"/>
                 </a:solidFill>
                 <a:latin typeface="Segoe UI" panose="020B0502040204020203" pitchFamily="34" charset="0"/>
                 <a:cs typeface="Segoe UI" panose="020B0502040204020203" pitchFamily="34" charset="0"/>
@@ -17519,10 +19402,7 @@
                 <a:noFill/>
               </a:ln>
               <a:solidFill>
-                <a:schemeClr val="tx1">
-                  <a:lumMod val="85000"/>
-                  <a:lumOff val="15000"/>
-                </a:schemeClr>
+                <a:srgbClr val="595959"/>
               </a:solidFill>
               <a:effectLst/>
               <a:uLnTx/>
@@ -18395,8 +20275,69 @@
                 <a:latin typeface="Segoe UI" panose="020B0502040204020203" pitchFamily="34" charset="0"/>
                 <a:cs typeface="Segoe UI" panose="020B0502040204020203" pitchFamily="34" charset="0"/>
               </a:rPr>
-              <a:t>Topic 5 of 8</a:t>
-            </a:r>
+              <a:t>Topic 5 of 6</a:t>
+            </a:r>
+          </a:p>
+        </p:txBody>
+      </p:sp>
+      <p:sp>
+        <p:nvSpPr>
+          <p:cNvPr id="24" name="Rectangle 23">
+            <a:extLst>
+              <a:ext uri="{FF2B5EF4-FFF2-40B4-BE49-F238E27FC236}">
+                <a16:creationId xmlns:a16="http://schemas.microsoft.com/office/drawing/2014/main" id="{759F3E87-C930-48A3-ADDE-89BBDAD09002}"/>
+              </a:ext>
+            </a:extLst>
+          </p:cNvPr>
+          <p:cNvSpPr/>
+          <p:nvPr/>
+        </p:nvSpPr>
+        <p:spPr>
+          <a:xfrm>
+            <a:off x="-125533" y="317031"/>
+            <a:ext cx="11142030" cy="707873"/>
+          </a:xfrm>
+          <a:prstGeom prst="rect">
+            <a:avLst/>
+          </a:prstGeom>
+          <a:solidFill>
+            <a:schemeClr val="bg1">
+              <a:alpha val="18000"/>
+            </a:schemeClr>
+          </a:solidFill>
+          <a:ln>
+            <a:solidFill>
+              <a:schemeClr val="bg1">
+                <a:alpha val="0"/>
+              </a:schemeClr>
+            </a:solidFill>
+          </a:ln>
+        </p:spPr>
+        <p:style>
+          <a:lnRef idx="2">
+            <a:schemeClr val="accent1">
+              <a:shade val="50000"/>
+            </a:schemeClr>
+          </a:lnRef>
+          <a:fillRef idx="1">
+            <a:schemeClr val="accent1"/>
+          </a:fillRef>
+          <a:effectRef idx="0">
+            <a:schemeClr val="accent1"/>
+          </a:effectRef>
+          <a:fontRef idx="minor">
+            <a:schemeClr val="lt1"/>
+          </a:fontRef>
+        </p:style>
+        <p:txBody>
+          <a:bodyPr rtlCol="0" anchor="ctr"/>
+          <a:lstStyle/>
+          <a:p>
+            <a:pPr algn="ctr"/>
+            <a:endParaRPr lang="en-US" dirty="0">
+              <a:latin typeface="Segoe UI" panose="020B0502040204020203" pitchFamily="34" charset="0"/>
+              <a:cs typeface="Segoe UI" panose="020B0502040204020203" pitchFamily="34" charset="0"/>
+            </a:endParaRPr>
           </a:p>
         </p:txBody>
       </p:sp>
@@ -18673,10 +20614,7 @@
                   <a:noFill/>
                 </a:ln>
                 <a:solidFill>
-                  <a:schemeClr val="tx1">
-                    <a:lumMod val="85000"/>
-                    <a:lumOff val="15000"/>
-                  </a:schemeClr>
+                  <a:srgbClr val="595959"/>
                 </a:solidFill>
                 <a:effectLst/>
                 <a:uLnTx/>
@@ -18684,7 +20622,71 @@
                 <a:latin typeface="Segoe UI" panose="020B0502040204020203" pitchFamily="34" charset="0"/>
                 <a:cs typeface="Segoe UI" panose="020B0502040204020203" pitchFamily="34" charset="0"/>
               </a:rPr>
-              <a:t>The results are obtained after class balancing using SMOTE-NC and hyperparameter tuning using Randomized Search CV</a:t>
+              <a:t>The results are obtained after </a:t>
+            </a:r>
+            <a:r>
+              <a:rPr kumimoji="0" lang="en-US" sz="1400" b="1" i="0" u="none" strike="noStrike" kern="1200" cap="none" spc="0" normalizeH="0" baseline="0" noProof="0" dirty="0">
+                <a:ln>
+                  <a:noFill/>
+                </a:ln>
+                <a:solidFill>
+                  <a:srgbClr val="595959"/>
+                </a:solidFill>
+                <a:effectLst/>
+                <a:uLnTx/>
+                <a:uFillTx/>
+                <a:latin typeface="Segoe UI" panose="020B0502040204020203" pitchFamily="34" charset="0"/>
+                <a:cs typeface="Segoe UI" panose="020B0502040204020203" pitchFamily="34" charset="0"/>
+              </a:rPr>
+              <a:t>class balancing</a:t>
+            </a:r>
+            <a:r>
+              <a:rPr kumimoji="0" lang="en-US" sz="1400" i="0" u="none" strike="noStrike" kern="1200" cap="none" spc="0" normalizeH="0" baseline="0" noProof="0" dirty="0">
+                <a:ln>
+                  <a:noFill/>
+                </a:ln>
+                <a:solidFill>
+                  <a:srgbClr val="595959"/>
+                </a:solidFill>
+                <a:effectLst/>
+                <a:uLnTx/>
+                <a:uFillTx/>
+                <a:latin typeface="Segoe UI" panose="020B0502040204020203" pitchFamily="34" charset="0"/>
+                <a:cs typeface="Segoe UI" panose="020B0502040204020203" pitchFamily="34" charset="0"/>
+              </a:rPr>
+              <a:t> using SMOTE-NC and </a:t>
+            </a:r>
+            <a:r>
+              <a:rPr kumimoji="0" lang="en-US" sz="1400" b="1" i="0" u="none" strike="noStrike" kern="1200" cap="none" spc="0" normalizeH="0" baseline="0" noProof="0" dirty="0">
+                <a:ln>
+                  <a:noFill/>
+                </a:ln>
+                <a:solidFill>
+                  <a:srgbClr val="595959"/>
+                </a:solidFill>
+                <a:effectLst/>
+                <a:uLnTx/>
+                <a:uFillTx/>
+                <a:latin typeface="Segoe UI" panose="020B0502040204020203" pitchFamily="34" charset="0"/>
+                <a:cs typeface="Segoe UI" panose="020B0502040204020203" pitchFamily="34" charset="0"/>
+              </a:rPr>
+              <a:t>hyperparameter tuning</a:t>
+            </a:r>
+            <a:r>
+              <a:rPr kumimoji="0" lang="en-US" sz="1400" i="0" u="none" strike="noStrike" kern="1200" cap="none" spc="0" normalizeH="0" baseline="0" noProof="0" dirty="0">
+                <a:ln>
+                  <a:noFill/>
+                </a:ln>
+                <a:solidFill>
+                  <a:srgbClr val="595959"/>
+                </a:solidFill>
+                <a:effectLst/>
+                <a:uLnTx/>
+                <a:uFillTx/>
+                <a:latin typeface="Segoe UI" panose="020B0502040204020203" pitchFamily="34" charset="0"/>
+                <a:cs typeface="Segoe UI" panose="020B0502040204020203" pitchFamily="34" charset="0"/>
+              </a:rPr>
+              <a:t> using Randomized Search CV</a:t>
             </a:r>
           </a:p>
         </p:txBody>
@@ -18735,15 +20737,12 @@
               <a:defRPr/>
             </a:pPr>
             <a:r>
-              <a:rPr kumimoji="0" lang="en-US" sz="1400" i="0" u="none" strike="noStrike" kern="1200" cap="none" spc="0" normalizeH="0" baseline="0" noProof="0" dirty="0">
+              <a:rPr kumimoji="0" lang="en-US" sz="1400" b="1" i="0" u="none" strike="noStrike" kern="1200" cap="none" spc="0" normalizeH="0" baseline="0" noProof="0" dirty="0">
                 <a:ln>
                   <a:noFill/>
                 </a:ln>
                 <a:solidFill>
-                  <a:schemeClr val="tx1">
-                    <a:lumMod val="85000"/>
-                    <a:lumOff val="15000"/>
-                  </a:schemeClr>
+                  <a:srgbClr val="595959"/>
                 </a:solidFill>
                 <a:effectLst/>
                 <a:uLnTx/>
@@ -18751,7 +20750,55 @@
                 <a:latin typeface="Segoe UI" panose="020B0502040204020203" pitchFamily="34" charset="0"/>
                 <a:cs typeface="Segoe UI" panose="020B0502040204020203" pitchFamily="34" charset="0"/>
               </a:rPr>
-              <a:t>XGBoost and CatBoost are the ensemble models that have the highest accuracy of about 76%</a:t>
+              <a:t>XGBoost</a:t>
+            </a:r>
+            <a:r>
+              <a:rPr kumimoji="0" lang="en-US" sz="1400" i="0" u="none" strike="noStrike" kern="1200" cap="none" spc="0" normalizeH="0" baseline="0" noProof="0" dirty="0">
+                <a:ln>
+                  <a:noFill/>
+                </a:ln>
+                <a:solidFill>
+                  <a:srgbClr val="595959"/>
+                </a:solidFill>
+                <a:effectLst/>
+                <a:uLnTx/>
+                <a:uFillTx/>
+                <a:latin typeface="Segoe UI" panose="020B0502040204020203" pitchFamily="34" charset="0"/>
+                <a:cs typeface="Segoe UI" panose="020B0502040204020203" pitchFamily="34" charset="0"/>
+              </a:rPr>
+              <a:t> and </a:t>
+            </a:r>
+            <a:r>
+              <a:rPr kumimoji="0" lang="en-US" sz="1400" b="1" i="0" u="none" strike="noStrike" kern="1200" cap="none" spc="0" normalizeH="0" baseline="0" noProof="0" dirty="0">
+                <a:ln>
+                  <a:noFill/>
+                </a:ln>
+                <a:solidFill>
+                  <a:srgbClr val="595959"/>
+                </a:solidFill>
+                <a:effectLst/>
+                <a:uLnTx/>
+                <a:uFillTx/>
+                <a:latin typeface="Segoe UI" panose="020B0502040204020203" pitchFamily="34" charset="0"/>
+                <a:cs typeface="Segoe UI" panose="020B0502040204020203" pitchFamily="34" charset="0"/>
+              </a:rPr>
+              <a:t>CatBoost</a:t>
+            </a:r>
+            <a:r>
+              <a:rPr kumimoji="0" lang="en-US" sz="1400" i="0" u="none" strike="noStrike" kern="1200" cap="none" spc="0" normalizeH="0" baseline="0" noProof="0" dirty="0">
+                <a:ln>
+                  <a:noFill/>
+                </a:ln>
+                <a:solidFill>
+                  <a:srgbClr val="595959"/>
+                </a:solidFill>
+                <a:effectLst/>
+                <a:uLnTx/>
+                <a:uFillTx/>
+                <a:latin typeface="Segoe UI" panose="020B0502040204020203" pitchFamily="34" charset="0"/>
+                <a:cs typeface="Segoe UI" panose="020B0502040204020203" pitchFamily="34" charset="0"/>
+              </a:rPr>
+              <a:t> are the ensemble models that have the highest accuracy of about 76%</a:t>
             </a:r>
           </a:p>
         </p:txBody>
@@ -18770,7 +20817,7 @@
         </p:nvSpPr>
         <p:spPr>
           <a:xfrm>
-            <a:off x="688431" y="5298871"/>
+            <a:off x="688430" y="5355387"/>
             <a:ext cx="5407568" cy="1021690"/>
           </a:xfrm>
           <a:prstGeom prst="rect">
@@ -18807,10 +20854,7 @@
                   <a:noFill/>
                 </a:ln>
                 <a:solidFill>
-                  <a:schemeClr val="tx1">
-                    <a:lumMod val="85000"/>
-                    <a:lumOff val="15000"/>
-                  </a:schemeClr>
+                  <a:srgbClr val="595959"/>
                 </a:solidFill>
                 <a:effectLst/>
                 <a:uLnTx/>
@@ -18818,7 +20862,103 @@
                 <a:latin typeface="Segoe UI" panose="020B0502040204020203" pitchFamily="34" charset="0"/>
                 <a:cs typeface="Segoe UI" panose="020B0502040204020203" pitchFamily="34" charset="0"/>
               </a:rPr>
-              <a:t>The Decision Tree AdaBoost Classifier and Bagging Classifier have the highest AUC score of 0.84</a:t>
+              <a:t>The Decision Tree </a:t>
+            </a:r>
+            <a:r>
+              <a:rPr kumimoji="0" lang="en-US" sz="1400" b="1" i="0" u="none" strike="noStrike" kern="1200" cap="none" spc="0" normalizeH="0" baseline="0" noProof="0" dirty="0">
+                <a:ln>
+                  <a:noFill/>
+                </a:ln>
+                <a:solidFill>
+                  <a:srgbClr val="595959"/>
+                </a:solidFill>
+                <a:effectLst/>
+                <a:uLnTx/>
+                <a:uFillTx/>
+                <a:latin typeface="Segoe UI" panose="020B0502040204020203" pitchFamily="34" charset="0"/>
+                <a:cs typeface="Segoe UI" panose="020B0502040204020203" pitchFamily="34" charset="0"/>
+              </a:rPr>
+              <a:t>AdaBoost</a:t>
+            </a:r>
+            <a:r>
+              <a:rPr kumimoji="0" lang="en-US" sz="1400" i="0" u="none" strike="noStrike" kern="1200" cap="none" spc="0" normalizeH="0" baseline="0" noProof="0" dirty="0">
+                <a:ln>
+                  <a:noFill/>
+                </a:ln>
+                <a:solidFill>
+                  <a:srgbClr val="595959"/>
+                </a:solidFill>
+                <a:effectLst/>
+                <a:uLnTx/>
+                <a:uFillTx/>
+                <a:latin typeface="Segoe UI" panose="020B0502040204020203" pitchFamily="34" charset="0"/>
+                <a:cs typeface="Segoe UI" panose="020B0502040204020203" pitchFamily="34" charset="0"/>
+              </a:rPr>
+              <a:t> Classifier and </a:t>
+            </a:r>
+            <a:r>
+              <a:rPr kumimoji="0" lang="en-US" sz="1400" b="1" i="0" u="none" strike="noStrike" kern="1200" cap="none" spc="0" normalizeH="0" baseline="0" noProof="0" dirty="0">
+                <a:ln>
+                  <a:noFill/>
+                </a:ln>
+                <a:solidFill>
+                  <a:srgbClr val="595959"/>
+                </a:solidFill>
+                <a:effectLst/>
+                <a:uLnTx/>
+                <a:uFillTx/>
+                <a:latin typeface="Segoe UI" panose="020B0502040204020203" pitchFamily="34" charset="0"/>
+                <a:cs typeface="Segoe UI" panose="020B0502040204020203" pitchFamily="34" charset="0"/>
+              </a:rPr>
+              <a:t>Bagging</a:t>
+            </a:r>
+            <a:r>
+              <a:rPr kumimoji="0" lang="en-US" sz="1400" i="0" u="none" strike="noStrike" kern="1200" cap="none" spc="0" normalizeH="0" baseline="0" noProof="0" dirty="0">
+                <a:ln>
+                  <a:noFill/>
+                </a:ln>
+                <a:solidFill>
+                  <a:srgbClr val="595959"/>
+                </a:solidFill>
+                <a:effectLst/>
+                <a:uLnTx/>
+                <a:uFillTx/>
+                <a:latin typeface="Segoe UI" panose="020B0502040204020203" pitchFamily="34" charset="0"/>
+                <a:cs typeface="Segoe UI" panose="020B0502040204020203" pitchFamily="34" charset="0"/>
+              </a:rPr>
+              <a:t> Classifier have the </a:t>
+            </a:r>
+            <a:r>
+              <a:rPr kumimoji="0" lang="en-US" sz="1400" i="1" strike="noStrike" kern="1200" cap="none" spc="0" normalizeH="0" baseline="0" noProof="0" dirty="0">
+                <a:ln>
+                  <a:noFill/>
+                </a:ln>
+                <a:solidFill>
+                  <a:srgbClr val="595959"/>
+                </a:solidFill>
+                <a:effectLst/>
+                <a:uLnTx/>
+                <a:uFillTx/>
+                <a:latin typeface="Segoe UI" panose="020B0502040204020203" pitchFamily="34" charset="0"/>
+                <a:cs typeface="Segoe UI" panose="020B0502040204020203" pitchFamily="34" charset="0"/>
+              </a:rPr>
+              <a:t>highest AUC score </a:t>
+            </a:r>
+            <a:r>
+              <a:rPr kumimoji="0" lang="en-US" sz="1400" i="0" u="none" strike="noStrike" kern="1200" cap="none" spc="0" normalizeH="0" baseline="0" noProof="0" dirty="0">
+                <a:ln>
+                  <a:noFill/>
+                </a:ln>
+                <a:solidFill>
+                  <a:srgbClr val="595959"/>
+                </a:solidFill>
+                <a:effectLst/>
+                <a:uLnTx/>
+                <a:uFillTx/>
+                <a:latin typeface="Segoe UI" panose="020B0502040204020203" pitchFamily="34" charset="0"/>
+                <a:cs typeface="Segoe UI" panose="020B0502040204020203" pitchFamily="34" charset="0"/>
+              </a:rPr>
+              <a:t>of 0.84</a:t>
             </a:r>
           </a:p>
           <a:p>
@@ -18844,10 +20984,7 @@
                 <a:noFill/>
               </a:ln>
               <a:solidFill>
-                <a:schemeClr val="tx1">
-                  <a:lumMod val="85000"/>
-                  <a:lumOff val="15000"/>
-                </a:schemeClr>
+                <a:srgbClr val="595959"/>
               </a:solidFill>
               <a:effectLst/>
               <a:uLnTx/>
@@ -18909,10 +21046,7 @@
                   <a:noFill/>
                 </a:ln>
                 <a:solidFill>
-                  <a:schemeClr val="tx1">
-                    <a:lumMod val="85000"/>
-                    <a:lumOff val="15000"/>
-                  </a:schemeClr>
+                  <a:srgbClr val="595959"/>
                 </a:solidFill>
                 <a:effectLst/>
                 <a:uLnTx/>
@@ -18920,18 +21054,31 @@
                 <a:latin typeface="Segoe UI" panose="020B0502040204020203" pitchFamily="34" charset="0"/>
                 <a:cs typeface="Segoe UI" panose="020B0502040204020203" pitchFamily="34" charset="0"/>
               </a:rPr>
-              <a:t>All models (except one) have AUC scores of greater </a:t>
-            </a:r>
-            <a:r>
-              <a:rPr kumimoji="0" lang="en-US" sz="1400" i="0" u="none" strike="noStrike" kern="1200" cap="none" spc="0" normalizeH="0" baseline="0" noProof="0" dirty="0" err="1">
+              <a:t>All models (except one) have </a:t>
+            </a:r>
+            <a:r>
+              <a:rPr kumimoji="0" lang="en-US" sz="1400" i="1" u="none" strike="noStrike" kern="1200" cap="none" spc="0" normalizeH="0" baseline="0" noProof="0" dirty="0">
                 <a:ln>
                   <a:noFill/>
                 </a:ln>
                 <a:solidFill>
-                  <a:schemeClr val="tx1">
-                    <a:lumMod val="85000"/>
-                    <a:lumOff val="15000"/>
-                  </a:schemeClr>
+                  <a:srgbClr val="595959"/>
+                </a:solidFill>
+                <a:effectLst/>
+                <a:uLnTx/>
+                <a:uFillTx/>
+                <a:latin typeface="Segoe UI" panose="020B0502040204020203" pitchFamily="34" charset="0"/>
+                <a:cs typeface="Segoe UI" panose="020B0502040204020203" pitchFamily="34" charset="0"/>
+              </a:rPr>
+              <a:t>AUC scores of greater </a:t>
+            </a:r>
+            <a:r>
+              <a:rPr kumimoji="0" lang="en-GB" sz="1400" i="1" u="none" strike="noStrike" kern="1200" cap="none" spc="0" normalizeH="0" baseline="0" dirty="0">
+                <a:ln>
+                  <a:noFill/>
+                </a:ln>
+                <a:solidFill>
+                  <a:srgbClr val="595959"/>
                 </a:solidFill>
                 <a:effectLst/>
                 <a:uLnTx/>
@@ -18942,27 +21089,31 @@
               <a:t>tha</a:t>
             </a:r>
             <a:r>
-              <a:rPr lang="en-US" sz="1400" dirty="0">
+              <a:rPr lang="en-US" sz="1400" i="1" dirty="0">
                 <a:solidFill>
-                  <a:schemeClr val="tx1">
-                    <a:lumMod val="85000"/>
-                    <a:lumOff val="15000"/>
-                  </a:schemeClr>
+                  <a:srgbClr val="595959"/>
                 </a:solidFill>
                 <a:latin typeface="Segoe UI" panose="020B0502040204020203" pitchFamily="34" charset="0"/>
                 <a:cs typeface="Segoe UI" panose="020B0502040204020203" pitchFamily="34" charset="0"/>
               </a:rPr>
-              <a:t>n 0.80 and test accuracy scores of greater than 70%</a:t>
+              <a:t>n 0.80 </a:t>
+            </a:r>
+            <a:r>
+              <a:rPr lang="en-US" sz="1400" dirty="0">
+                <a:solidFill>
+                  <a:srgbClr val="595959"/>
+                </a:solidFill>
+                <a:latin typeface="Segoe UI" panose="020B0502040204020203" pitchFamily="34" charset="0"/>
+                <a:cs typeface="Segoe UI" panose="020B0502040204020203" pitchFamily="34" charset="0"/>
+              </a:rPr>
+              <a:t>and test accuracy scores of greater than 70%</a:t>
             </a:r>
             <a:endParaRPr kumimoji="0" lang="en-US" sz="1400" i="0" u="none" strike="noStrike" kern="1200" cap="none" spc="0" normalizeH="0" baseline="0" noProof="0" dirty="0">
               <a:ln>
                 <a:noFill/>
               </a:ln>
               <a:solidFill>
-                <a:schemeClr val="tx1">
-                  <a:lumMod val="85000"/>
-                  <a:lumOff val="15000"/>
-                </a:schemeClr>
+                <a:srgbClr val="595959"/>
               </a:solidFill>
               <a:effectLst/>
               <a:uLnTx/>
@@ -19090,8 +21241,69 @@
                 <a:latin typeface="Segoe UI" panose="020B0502040204020203" pitchFamily="34" charset="0"/>
                 <a:cs typeface="Segoe UI" panose="020B0502040204020203" pitchFamily="34" charset="0"/>
               </a:rPr>
-              <a:t>Topic 5 of 8</a:t>
-            </a:r>
+              <a:t>Topic 5 of 6</a:t>
+            </a:r>
+          </a:p>
+        </p:txBody>
+      </p:sp>
+      <p:sp>
+        <p:nvSpPr>
+          <p:cNvPr id="13" name="Rectangle 12">
+            <a:extLst>
+              <a:ext uri="{FF2B5EF4-FFF2-40B4-BE49-F238E27FC236}">
+                <a16:creationId xmlns:a16="http://schemas.microsoft.com/office/drawing/2014/main" id="{46A2F2C7-13ED-4141-8392-5A16858506C1}"/>
+              </a:ext>
+            </a:extLst>
+          </p:cNvPr>
+          <p:cNvSpPr/>
+          <p:nvPr/>
+        </p:nvSpPr>
+        <p:spPr>
+          <a:xfrm>
+            <a:off x="109627" y="283882"/>
+            <a:ext cx="11142030" cy="707873"/>
+          </a:xfrm>
+          <a:prstGeom prst="rect">
+            <a:avLst/>
+          </a:prstGeom>
+          <a:solidFill>
+            <a:schemeClr val="bg1">
+              <a:alpha val="18000"/>
+            </a:schemeClr>
+          </a:solidFill>
+          <a:ln>
+            <a:solidFill>
+              <a:schemeClr val="bg1">
+                <a:alpha val="0"/>
+              </a:schemeClr>
+            </a:solidFill>
+          </a:ln>
+        </p:spPr>
+        <p:style>
+          <a:lnRef idx="2">
+            <a:schemeClr val="accent1">
+              <a:shade val="50000"/>
+            </a:schemeClr>
+          </a:lnRef>
+          <a:fillRef idx="1">
+            <a:schemeClr val="accent1"/>
+          </a:fillRef>
+          <a:effectRef idx="0">
+            <a:schemeClr val="accent1"/>
+          </a:effectRef>
+          <a:fontRef idx="minor">
+            <a:schemeClr val="lt1"/>
+          </a:fontRef>
+        </p:style>
+        <p:txBody>
+          <a:bodyPr rtlCol="0" anchor="ctr"/>
+          <a:lstStyle/>
+          <a:p>
+            <a:pPr algn="ctr"/>
+            <a:endParaRPr lang="en-US" dirty="0">
+              <a:latin typeface="Segoe UI" panose="020B0502040204020203" pitchFamily="34" charset="0"/>
+              <a:cs typeface="Segoe UI" panose="020B0502040204020203" pitchFamily="34" charset="0"/>
+            </a:endParaRPr>
           </a:p>
         </p:txBody>
       </p:sp>
@@ -19368,10 +21580,7 @@
                   <a:noFill/>
                 </a:ln>
                 <a:solidFill>
-                  <a:schemeClr val="tx1">
-                    <a:lumMod val="85000"/>
-                    <a:lumOff val="15000"/>
-                  </a:schemeClr>
+                  <a:srgbClr val="595959"/>
                 </a:solidFill>
                 <a:effectLst/>
                 <a:uLnTx/>
@@ -19387,10 +21596,7 @@
                   <a:noFill/>
                 </a:ln>
                 <a:solidFill>
-                  <a:schemeClr val="tx1">
-                    <a:lumMod val="85000"/>
-                    <a:lumOff val="15000"/>
-                  </a:schemeClr>
+                  <a:srgbClr val="595959"/>
                 </a:solidFill>
                 <a:effectLst/>
                 <a:uLnTx/>
@@ -19404,10 +21610,7 @@
                 <a:noFill/>
               </a:ln>
               <a:solidFill>
-                <a:schemeClr val="tx1">
-                  <a:lumMod val="85000"/>
-                  <a:lumOff val="15000"/>
-                </a:schemeClr>
+                <a:srgbClr val="595959"/>
               </a:solidFill>
               <a:effectLst/>
               <a:uLnTx/>
@@ -19437,10 +21640,7 @@
             <a:r>
               <a:rPr lang="en-US" sz="1400" dirty="0">
                 <a:solidFill>
-                  <a:schemeClr val="tx1">
-                    <a:lumMod val="85000"/>
-                    <a:lumOff val="15000"/>
-                  </a:schemeClr>
+                  <a:srgbClr val="595959"/>
                 </a:solidFill>
                 <a:latin typeface="Segoe UI" panose="020B0502040204020203" pitchFamily="34" charset="0"/>
                 <a:cs typeface="Segoe UI" panose="020B0502040204020203" pitchFamily="34" charset="0"/>
@@ -19450,10 +21650,7 @@
             <a:br>
               <a:rPr lang="en-US" sz="1400" dirty="0">
                 <a:solidFill>
-                  <a:schemeClr val="tx1">
-                    <a:lumMod val="85000"/>
-                    <a:lumOff val="15000"/>
-                  </a:schemeClr>
+                  <a:srgbClr val="595959"/>
                 </a:solidFill>
                 <a:latin typeface="Segoe UI" panose="020B0502040204020203" pitchFamily="34" charset="0"/>
                 <a:cs typeface="Segoe UI" panose="020B0502040204020203" pitchFamily="34" charset="0"/>
@@ -19461,10 +21658,7 @@
             </a:br>
             <a:endParaRPr lang="en-US" sz="1400" dirty="0">
               <a:solidFill>
-                <a:schemeClr val="tx1">
-                  <a:lumMod val="85000"/>
-                  <a:lumOff val="15000"/>
-                </a:schemeClr>
+                <a:srgbClr val="595959"/>
               </a:solidFill>
               <a:latin typeface="Segoe UI" panose="020B0502040204020203" pitchFamily="34" charset="0"/>
               <a:cs typeface="Segoe UI" panose="020B0502040204020203" pitchFamily="34" charset="0"/>
@@ -19494,10 +21688,7 @@
                   <a:noFill/>
                 </a:ln>
                 <a:solidFill>
-                  <a:schemeClr val="tx1">
-                    <a:lumMod val="85000"/>
-                    <a:lumOff val="15000"/>
-                  </a:schemeClr>
+                  <a:srgbClr val="595959"/>
                 </a:solidFill>
                 <a:effectLst/>
                 <a:uLnTx/>
@@ -19627,8 +21818,69 @@
                 <a:latin typeface="Segoe UI" panose="020B0502040204020203" pitchFamily="34" charset="0"/>
                 <a:cs typeface="Segoe UI" panose="020B0502040204020203" pitchFamily="34" charset="0"/>
               </a:rPr>
-              <a:t>Topic 5 of 8</a:t>
-            </a:r>
+              <a:t>Topic 5 of 6</a:t>
+            </a:r>
+          </a:p>
+        </p:txBody>
+      </p:sp>
+      <p:sp>
+        <p:nvSpPr>
+          <p:cNvPr id="8" name="Rectangle 7">
+            <a:extLst>
+              <a:ext uri="{FF2B5EF4-FFF2-40B4-BE49-F238E27FC236}">
+                <a16:creationId xmlns:a16="http://schemas.microsoft.com/office/drawing/2014/main" id="{F753BA9C-D8D6-4546-B21A-E632831A1FD1}"/>
+              </a:ext>
+            </a:extLst>
+          </p:cNvPr>
+          <p:cNvSpPr/>
+          <p:nvPr/>
+        </p:nvSpPr>
+        <p:spPr>
+          <a:xfrm>
+            <a:off x="109627" y="283882"/>
+            <a:ext cx="11142030" cy="707873"/>
+          </a:xfrm>
+          <a:prstGeom prst="rect">
+            <a:avLst/>
+          </a:prstGeom>
+          <a:solidFill>
+            <a:schemeClr val="bg1">
+              <a:alpha val="18000"/>
+            </a:schemeClr>
+          </a:solidFill>
+          <a:ln>
+            <a:solidFill>
+              <a:schemeClr val="bg1">
+                <a:alpha val="0"/>
+              </a:schemeClr>
+            </a:solidFill>
+          </a:ln>
+        </p:spPr>
+        <p:style>
+          <a:lnRef idx="2">
+            <a:schemeClr val="accent1">
+              <a:shade val="50000"/>
+            </a:schemeClr>
+          </a:lnRef>
+          <a:fillRef idx="1">
+            <a:schemeClr val="accent1"/>
+          </a:fillRef>
+          <a:effectRef idx="0">
+            <a:schemeClr val="accent1"/>
+          </a:effectRef>
+          <a:fontRef idx="minor">
+            <a:schemeClr val="lt1"/>
+          </a:fontRef>
+        </p:style>
+        <p:txBody>
+          <a:bodyPr rtlCol="0" anchor="ctr"/>
+          <a:lstStyle/>
+          <a:p>
+            <a:pPr algn="ctr"/>
+            <a:endParaRPr lang="en-US" dirty="0">
+              <a:latin typeface="Segoe UI" panose="020B0502040204020203" pitchFamily="34" charset="0"/>
+              <a:cs typeface="Segoe UI" panose="020B0502040204020203" pitchFamily="34" charset="0"/>
+            </a:endParaRPr>
           </a:p>
         </p:txBody>
       </p:sp>
